--- a/Cuarto trimestre/Presentacion v4.pptx
+++ b/Cuarto trimestre/Presentacion v4.pptx
@@ -5,28 +5,23 @@
     <p:sldMasterId id="2147483648" r:id="rId1"/>
   </p:sldMasterIdLst>
   <p:notesMasterIdLst>
-    <p:notesMasterId r:id="rId18"/>
+    <p:notesMasterId r:id="rId13"/>
   </p:notesMasterIdLst>
   <p:handoutMasterIdLst>
-    <p:handoutMasterId r:id="rId19"/>
+    <p:handoutMasterId r:id="rId14"/>
   </p:handoutMasterIdLst>
   <p:sldIdLst>
     <p:sldId id="323" r:id="rId2"/>
     <p:sldId id="325" r:id="rId3"/>
-    <p:sldId id="355" r:id="rId4"/>
-    <p:sldId id="329" r:id="rId5"/>
+    <p:sldId id="329" r:id="rId4"/>
+    <p:sldId id="355" r:id="rId5"/>
     <p:sldId id="346" r:id="rId6"/>
     <p:sldId id="330" r:id="rId7"/>
     <p:sldId id="331" r:id="rId8"/>
     <p:sldId id="332" r:id="rId9"/>
     <p:sldId id="333" r:id="rId10"/>
     <p:sldId id="334" r:id="rId11"/>
-    <p:sldId id="347" r:id="rId12"/>
-    <p:sldId id="348" r:id="rId13"/>
-    <p:sldId id="350" r:id="rId14"/>
-    <p:sldId id="349" r:id="rId15"/>
-    <p:sldId id="351" r:id="rId16"/>
-    <p:sldId id="359" r:id="rId17"/>
+    <p:sldId id="359" r:id="rId12"/>
   </p:sldIdLst>
   <p:sldSz cx="9144000" cy="6858000" type="screen4x3"/>
   <p:notesSz cx="6858000" cy="9144000"/>
@@ -248,7 +243,7 @@
           <a:p>
             <a:fld id="{4E4206E0-8F38-491F-8DD8-9DEF31DAB11E}" type="datetimeFigureOut">
               <a:rPr lang="es-CO" smtClean="0"/>
-              <a:t>14/03/2017</a:t>
+              <a:t>06/04/2017</a:t>
             </a:fld>
             <a:endParaRPr lang="es-CO"/>
           </a:p>
@@ -413,7 +408,7 @@
           <a:p>
             <a:fld id="{AE7E15B5-955E-4B5B-9E1F-B3C4B4C6AE0C}" type="datetimeFigureOut">
               <a:rPr lang="es-CO" smtClean="0"/>
-              <a:t>14/03/2017</a:t>
+              <a:t>06/04/2017</a:t>
             </a:fld>
             <a:endParaRPr lang="es-CO"/>
           </a:p>
@@ -749,7 +744,7 @@
           <a:p>
             <a:fld id="{06DF1DBB-D2B5-4901-B422-57DA65914203}" type="slidenum">
               <a:rPr lang="es-CO" smtClean="0"/>
-              <a:t>4</a:t>
+              <a:t>3</a:t>
             </a:fld>
             <a:endParaRPr lang="es-CO"/>
           </a:p>
@@ -1177,7 +1172,7 @@
           <a:p>
             <a:fld id="{483D03DC-5ED8-7A42-A55E-C10C004AFC42}" type="datetimeFigureOut">
               <a:rPr lang="es-ES" smtClean="0"/>
-              <a:t>14/03/2017</a:t>
+              <a:t>06/04/2017</a:t>
             </a:fld>
             <a:endParaRPr lang="es-ES"/>
           </a:p>
@@ -1846,7 +1841,7 @@
           <a:p>
             <a:fld id="{483D03DC-5ED8-7A42-A55E-C10C004AFC42}" type="datetimeFigureOut">
               <a:rPr lang="es-ES" smtClean="0"/>
-              <a:t>14/03/2017</a:t>
+              <a:t>06/04/2017</a:t>
             </a:fld>
             <a:endParaRPr lang="es-ES" dirty="0"/>
           </a:p>
@@ -2005,7 +2000,7 @@
           <a:p>
             <a:fld id="{483D03DC-5ED8-7A42-A55E-C10C004AFC42}" type="datetimeFigureOut">
               <a:rPr lang="es-ES" smtClean="0"/>
-              <a:t>14/03/2017</a:t>
+              <a:t>06/04/2017</a:t>
             </a:fld>
             <a:endParaRPr lang="es-ES"/>
           </a:p>
@@ -2535,7 +2530,7 @@
           <a:p>
             <a:fld id="{483D03DC-5ED8-7A42-A55E-C10C004AFC42}" type="datetimeFigureOut">
               <a:rPr lang="es-ES" smtClean="0"/>
-              <a:t>14/03/2017</a:t>
+              <a:t>06/04/2017</a:t>
             </a:fld>
             <a:endParaRPr lang="es-ES"/>
           </a:p>
@@ -3068,7 +3063,7 @@
           <a:p>
             <a:fld id="{483D03DC-5ED8-7A42-A55E-C10C004AFC42}" type="datetimeFigureOut">
               <a:rPr lang="es-ES" smtClean="0"/>
-              <a:t>14/03/2017</a:t>
+              <a:t>06/04/2017</a:t>
             </a:fld>
             <a:endParaRPr lang="es-ES"/>
           </a:p>
@@ -3298,7 +3293,7 @@
           <a:p>
             <a:fld id="{483D03DC-5ED8-7A42-A55E-C10C004AFC42}" type="datetimeFigureOut">
               <a:rPr lang="es-ES" smtClean="0"/>
-              <a:t>14/03/2017</a:t>
+              <a:t>06/04/2017</a:t>
             </a:fld>
             <a:endParaRPr lang="es-ES"/>
           </a:p>
@@ -3976,7 +3971,7 @@
           <a:p>
             <a:fld id="{483D03DC-5ED8-7A42-A55E-C10C004AFC42}" type="datetimeFigureOut">
               <a:rPr lang="es-ES" smtClean="0"/>
-              <a:t>14/03/2017</a:t>
+              <a:t>06/04/2017</a:t>
             </a:fld>
             <a:endParaRPr lang="es-ES" dirty="0"/>
           </a:p>
@@ -4071,7 +4066,7 @@
           <a:p>
             <a:fld id="{483D03DC-5ED8-7A42-A55E-C10C004AFC42}" type="datetimeFigureOut">
               <a:rPr lang="es-ES" smtClean="0"/>
-              <a:t>14/03/2017</a:t>
+              <a:t>06/04/2017</a:t>
             </a:fld>
             <a:endParaRPr lang="es-ES"/>
           </a:p>
@@ -4616,7 +4611,7 @@
           <a:p>
             <a:fld id="{483D03DC-5ED8-7A42-A55E-C10C004AFC42}" type="datetimeFigureOut">
               <a:rPr lang="es-ES" smtClean="0"/>
-              <a:t>14/03/2017</a:t>
+              <a:t>06/04/2017</a:t>
             </a:fld>
             <a:endParaRPr lang="es-ES"/>
           </a:p>
@@ -5533,7 +5528,7 @@
           <a:p>
             <a:fld id="{483D03DC-5ED8-7A42-A55E-C10C004AFC42}" type="datetimeFigureOut">
               <a:rPr lang="es-ES" smtClean="0"/>
-              <a:t>14/03/2017</a:t>
+              <a:t>06/04/2017</a:t>
             </a:fld>
             <a:endParaRPr lang="es-ES" dirty="0"/>
           </a:p>
@@ -5692,7 +5687,7 @@
           <a:p>
             <a:fld id="{483D03DC-5ED8-7A42-A55E-C10C004AFC42}" type="datetimeFigureOut">
               <a:rPr lang="es-ES" smtClean="0"/>
-              <a:t>14/03/2017</a:t>
+              <a:t>06/04/2017</a:t>
             </a:fld>
             <a:endParaRPr lang="es-ES"/>
           </a:p>
@@ -6222,7 +6217,7 @@
           <a:p>
             <a:fld id="{483D03DC-5ED8-7A42-A55E-C10C004AFC42}" type="datetimeFigureOut">
               <a:rPr lang="es-ES" smtClean="0"/>
-              <a:t>14/03/2017</a:t>
+              <a:t>06/04/2017</a:t>
             </a:fld>
             <a:endParaRPr lang="es-ES"/>
           </a:p>
@@ -6781,7 +6776,7 @@
           <a:p>
             <a:fld id="{483D03DC-5ED8-7A42-A55E-C10C004AFC42}" type="datetimeFigureOut">
               <a:rPr lang="es-ES" smtClean="0"/>
-              <a:t>14/03/2017</a:t>
+              <a:t>06/04/2017</a:t>
             </a:fld>
             <a:endParaRPr lang="es-ES"/>
           </a:p>
@@ -7273,14 +7268,10 @@
   </p:clrMapOvr>
   <mc:AlternateContent xmlns:mc="http://schemas.openxmlformats.org/markup-compatibility/2006" xmlns:p14="http://schemas.microsoft.com/office/powerpoint/2010/main">
     <mc:Choice Requires="p14">
-      <p:transition spd="slow" p14:dur="800">
-        <p:circle/>
-      </p:transition>
+      <p:transition p14:dur="0"/>
     </mc:Choice>
     <mc:Fallback xmlns="">
-      <p:transition spd="slow">
-        <p:circle/>
-      </p:transition>
+      <p:transition/>
     </mc:Fallback>
   </mc:AlternateContent>
   <p:timing>
@@ -7353,7 +7344,7 @@
         <p:spPr>
           <a:xfrm>
             <a:off x="106680" y="2479241"/>
-            <a:ext cx="9037320" cy="3046988"/>
+            <a:ext cx="9037320" cy="3539430"/>
           </a:xfrm>
           <a:prstGeom prst="rect">
             <a:avLst/>
@@ -7370,7 +7361,21 @@
                 <a:latin typeface="Arial" panose="020B0604020202020204" pitchFamily="34" charset="0"/>
                 <a:cs typeface="Arial" panose="020B0604020202020204" pitchFamily="34" charset="0"/>
               </a:rPr>
-              <a:t>Este proyecto tiene como fin, implementar una herramienta portable en dispositivos móviles, la cual permitirá realizar y agilizar los procesos de pago efectuados por los usuarios. También se busca beneficiar al cliente con el rápido descongestionamiento del establecimiento.</a:t>
+              <a:t>Este proyecto tiene como fin, implementar una herramienta portable en dispositivos </a:t>
+            </a:r>
+            <a:r>
+              <a:rPr lang="es-ES" sz="3200" dirty="0" smtClean="0">
+                <a:latin typeface="Arial" panose="020B0604020202020204" pitchFamily="34" charset="0"/>
+                <a:cs typeface="Arial" panose="020B0604020202020204" pitchFamily="34" charset="0"/>
+              </a:rPr>
+              <a:t>electrónicos, </a:t>
+            </a:r>
+            <a:r>
+              <a:rPr lang="es-ES" sz="3200" dirty="0">
+                <a:latin typeface="Arial" panose="020B0604020202020204" pitchFamily="34" charset="0"/>
+                <a:cs typeface="Arial" panose="020B0604020202020204" pitchFamily="34" charset="0"/>
+              </a:rPr>
+              <a:t>la cual permitirá realizar y agilizar los procesos de pago efectuados por los usuarios. También se busca beneficiar al cliente con el rápido descongestionamiento del establecimiento.</a:t>
             </a:r>
           </a:p>
         </p:txBody>
@@ -7387,14 +7392,10 @@
   </p:clrMapOvr>
   <mc:AlternateContent xmlns:mc="http://schemas.openxmlformats.org/markup-compatibility/2006" xmlns:p14="http://schemas.microsoft.com/office/powerpoint/2010/main">
     <mc:Choice Requires="p14">
-      <p:transition spd="slow" p14:dur="1400">
-        <p14:ripple/>
-      </p:transition>
+      <p:transition p14:dur="0"/>
     </mc:Choice>
     <mc:Fallback xmlns="">
-      <p:transition spd="slow">
-        <p:fade/>
-      </p:transition>
+      <p:transition/>
     </mc:Fallback>
   </mc:AlternateContent>
   <p:timing>
@@ -7408,868 +7409,6 @@
 </file>
 
 <file path=ppt/slides/slide11.xml><?xml version="1.0" encoding="utf-8"?>
-<p:sld xmlns:a="http://schemas.openxmlformats.org/drawingml/2006/main" xmlns:r="http://schemas.openxmlformats.org/officeDocument/2006/relationships" xmlns:p="http://schemas.openxmlformats.org/presentationml/2006/main">
-  <p:cSld>
-    <p:spTree>
-      <p:nvGrpSpPr>
-        <p:cNvPr id="1" name=""/>
-        <p:cNvGrpSpPr/>
-        <p:nvPr/>
-      </p:nvGrpSpPr>
-      <p:grpSpPr>
-        <a:xfrm>
-          <a:off x="0" y="0"/>
-          <a:ext cx="0" cy="0"/>
-          <a:chOff x="0" y="0"/>
-          <a:chExt cx="0" cy="0"/>
-        </a:xfrm>
-      </p:grpSpPr>
-      <p:sp>
-        <p:nvSpPr>
-          <p:cNvPr id="2" name="CuadroTexto 1"/>
-          <p:cNvSpPr txBox="1"/>
-          <p:nvPr/>
-        </p:nvSpPr>
-        <p:spPr>
-          <a:xfrm>
-            <a:off x="1455938" y="177553"/>
-            <a:ext cx="914400" cy="914400"/>
-          </a:xfrm>
-          <a:prstGeom prst="rect">
-            <a:avLst/>
-          </a:prstGeom>
-        </p:spPr>
-        <p:txBody>
-          <a:bodyPr vert="horz" wrap="none" lIns="91440" tIns="45720" rIns="91440" bIns="45720" rtlCol="0" anchor="ctr">
-            <a:noAutofit/>
-          </a:bodyPr>
-          <a:lstStyle/>
-          <a:p>
-            <a:pPr algn="l"/>
-            <a:endParaRPr lang="es-ES" sz="8000" b="1" dirty="0">
-              <a:solidFill>
-                <a:srgbClr val="92D050"/>
-              </a:solidFill>
-            </a:endParaRPr>
-          </a:p>
-        </p:txBody>
-      </p:sp>
-      <p:sp>
-        <p:nvSpPr>
-          <p:cNvPr id="3" name="CuadroTexto 2"/>
-          <p:cNvSpPr txBox="1"/>
-          <p:nvPr/>
-        </p:nvSpPr>
-        <p:spPr>
-          <a:xfrm>
-            <a:off x="253081" y="1091953"/>
-            <a:ext cx="12766884" cy="305335"/>
-          </a:xfrm>
-          <a:prstGeom prst="rect">
-            <a:avLst/>
-          </a:prstGeom>
-        </p:spPr>
-        <p:txBody>
-          <a:bodyPr vert="horz" wrap="none" lIns="91440" tIns="45720" rIns="91440" bIns="45720" rtlCol="0" anchor="ctr">
-            <a:noAutofit/>
-          </a:bodyPr>
-          <a:lstStyle/>
-          <a:p>
-            <a:pPr algn="l"/>
-            <a:r>
-              <a:rPr lang="es-ES" sz="5400" b="1" dirty="0">
-                <a:solidFill>
-                  <a:srgbClr val="92D050"/>
-                </a:solidFill>
-                <a:latin typeface="Arial" panose="020B0604020202020204" pitchFamily="34" charset="0"/>
-                <a:cs typeface="Arial" panose="020B0604020202020204" pitchFamily="34" charset="0"/>
-              </a:rPr>
-              <a:t>				TÉCNICAS DE </a:t>
-            </a:r>
-          </a:p>
-          <a:p>
-            <a:pPr algn="l"/>
-            <a:r>
-              <a:rPr lang="es-ES" sz="5400" b="1" dirty="0">
-                <a:solidFill>
-                  <a:srgbClr val="92D050"/>
-                </a:solidFill>
-                <a:latin typeface="Arial" panose="020B0604020202020204" pitchFamily="34" charset="0"/>
-                <a:cs typeface="Arial" panose="020B0604020202020204" pitchFamily="34" charset="0"/>
-              </a:rPr>
-              <a:t>			LEVANTAMIENTO </a:t>
-            </a:r>
-          </a:p>
-          <a:p>
-            <a:pPr algn="l"/>
-            <a:r>
-              <a:rPr lang="es-ES" sz="5400" b="1" dirty="0">
-                <a:solidFill>
-                  <a:srgbClr val="92D050"/>
-                </a:solidFill>
-                <a:latin typeface="Arial" panose="020B0604020202020204" pitchFamily="34" charset="0"/>
-                <a:cs typeface="Arial" panose="020B0604020202020204" pitchFamily="34" charset="0"/>
-              </a:rPr>
-              <a:t>			DE INFORMACIÓN </a:t>
-            </a:r>
-          </a:p>
-        </p:txBody>
-      </p:sp>
-      <p:sp>
-        <p:nvSpPr>
-          <p:cNvPr id="4" name="CuadroTexto 3"/>
-          <p:cNvSpPr txBox="1"/>
-          <p:nvPr/>
-        </p:nvSpPr>
-        <p:spPr>
-          <a:xfrm>
-            <a:off x="1251751" y="3781887"/>
-            <a:ext cx="914400" cy="914400"/>
-          </a:xfrm>
-          <a:prstGeom prst="rect">
-            <a:avLst/>
-          </a:prstGeom>
-        </p:spPr>
-        <p:txBody>
-          <a:bodyPr vert="horz" wrap="none" lIns="91440" tIns="45720" rIns="91440" bIns="45720" rtlCol="0" anchor="ctr">
-            <a:noAutofit/>
-          </a:bodyPr>
-          <a:lstStyle/>
-          <a:p>
-            <a:pPr algn="l"/>
-            <a:endParaRPr lang="es-ES" sz="8000" b="1" dirty="0">
-              <a:solidFill>
-                <a:srgbClr val="92D050"/>
-              </a:solidFill>
-            </a:endParaRPr>
-          </a:p>
-        </p:txBody>
-      </p:sp>
-      <p:sp>
-        <p:nvSpPr>
-          <p:cNvPr id="5" name="CuadroTexto 4"/>
-          <p:cNvSpPr txBox="1"/>
-          <p:nvPr/>
-        </p:nvSpPr>
-        <p:spPr>
-          <a:xfrm>
-            <a:off x="0" y="3046787"/>
-            <a:ext cx="8966447" cy="3298999"/>
-          </a:xfrm>
-          <a:prstGeom prst="rect">
-            <a:avLst/>
-          </a:prstGeom>
-        </p:spPr>
-        <p:txBody>
-          <a:bodyPr vert="horz" wrap="none" lIns="91440" tIns="45720" rIns="91440" bIns="45720" rtlCol="0" anchor="ctr">
-            <a:noAutofit/>
-          </a:bodyPr>
-          <a:lstStyle/>
-          <a:p>
-            <a:pPr marL="457200" indent="-457200" algn="l">
-              <a:buFont typeface="Arial" panose="020B0604020202020204" pitchFamily="34" charset="0"/>
-              <a:buChar char="•"/>
-            </a:pPr>
-            <a:r>
-              <a:rPr lang="es-ES" sz="3200" dirty="0">
-                <a:solidFill>
-                  <a:schemeClr val="bg2">
-                    <a:lumMod val="25000"/>
-                  </a:schemeClr>
-                </a:solidFill>
-                <a:latin typeface="Arial" panose="020B0604020202020204" pitchFamily="34" charset="0"/>
-                <a:cs typeface="Arial" panose="020B0604020202020204" pitchFamily="34" charset="0"/>
-              </a:rPr>
-              <a:t>Encuesta.</a:t>
-            </a:r>
-          </a:p>
-          <a:p>
-            <a:pPr algn="l"/>
-            <a:r>
-              <a:rPr lang="es-ES" sz="3200" dirty="0">
-                <a:solidFill>
-                  <a:schemeClr val="bg2">
-                    <a:lumMod val="25000"/>
-                  </a:schemeClr>
-                </a:solidFill>
-                <a:latin typeface="Arial" panose="020B0604020202020204" pitchFamily="34" charset="0"/>
-                <a:cs typeface="Arial" panose="020B0604020202020204" pitchFamily="34" charset="0"/>
-              </a:rPr>
-              <a:t>Ésta se realizó a 19 personas aleatoriamente </a:t>
-            </a:r>
-          </a:p>
-          <a:p>
-            <a:pPr algn="l"/>
-            <a:r>
-              <a:rPr lang="es-ES" sz="3200" dirty="0">
-                <a:solidFill>
-                  <a:schemeClr val="bg2">
-                    <a:lumMod val="25000"/>
-                  </a:schemeClr>
-                </a:solidFill>
-                <a:latin typeface="Arial" panose="020B0604020202020204" pitchFamily="34" charset="0"/>
-                <a:cs typeface="Arial" panose="020B0604020202020204" pitchFamily="34" charset="0"/>
-              </a:rPr>
-              <a:t>que transcurrían por el parque urbano El virrey </a:t>
-            </a:r>
-          </a:p>
-          <a:p>
-            <a:pPr algn="l"/>
-            <a:r>
-              <a:rPr lang="es-ES" sz="3200" dirty="0">
-                <a:solidFill>
-                  <a:schemeClr val="bg2">
-                    <a:lumMod val="25000"/>
-                  </a:schemeClr>
-                </a:solidFill>
-                <a:latin typeface="Arial" panose="020B0604020202020204" pitchFamily="34" charset="0"/>
-                <a:cs typeface="Arial" panose="020B0604020202020204" pitchFamily="34" charset="0"/>
-              </a:rPr>
-              <a:t>(calle 88).</a:t>
-            </a:r>
-          </a:p>
-          <a:p>
-            <a:pPr marL="457200" indent="-457200" algn="l">
-              <a:buFont typeface="Arial" panose="020B0604020202020204" pitchFamily="34" charset="0"/>
-              <a:buChar char="•"/>
-            </a:pPr>
-            <a:r>
-              <a:rPr lang="es-ES" sz="3200" dirty="0">
-                <a:solidFill>
-                  <a:schemeClr val="bg2">
-                    <a:lumMod val="25000"/>
-                  </a:schemeClr>
-                </a:solidFill>
-                <a:latin typeface="Arial" panose="020B0604020202020204" pitchFamily="34" charset="0"/>
-                <a:cs typeface="Arial" panose="020B0604020202020204" pitchFamily="34" charset="0"/>
-              </a:rPr>
-              <a:t>Observación directa.</a:t>
-            </a:r>
-          </a:p>
-          <a:p>
-            <a:pPr algn="l"/>
-            <a:r>
-              <a:rPr lang="es-ES" sz="3200" dirty="0">
-                <a:solidFill>
-                  <a:schemeClr val="bg2">
-                    <a:lumMod val="25000"/>
-                  </a:schemeClr>
-                </a:solidFill>
-                <a:latin typeface="Arial" panose="020B0604020202020204" pitchFamily="34" charset="0"/>
-                <a:cs typeface="Arial" panose="020B0604020202020204" pitchFamily="34" charset="0"/>
-              </a:rPr>
-              <a:t>Se realizó  En el establecimiento Andrés carne </a:t>
-            </a:r>
-          </a:p>
-          <a:p>
-            <a:pPr algn="l"/>
-            <a:r>
-              <a:rPr lang="es-ES" sz="3200" dirty="0">
-                <a:solidFill>
-                  <a:schemeClr val="bg2">
-                    <a:lumMod val="25000"/>
-                  </a:schemeClr>
-                </a:solidFill>
-                <a:latin typeface="Arial" panose="020B0604020202020204" pitchFamily="34" charset="0"/>
-                <a:cs typeface="Arial" panose="020B0604020202020204" pitchFamily="34" charset="0"/>
-              </a:rPr>
-              <a:t>de Res (Calle 95) y consistió en observar cada</a:t>
-            </a:r>
-          </a:p>
-          <a:p>
-            <a:pPr algn="l"/>
-            <a:r>
-              <a:rPr lang="es-ES" sz="3200" dirty="0">
-                <a:solidFill>
-                  <a:schemeClr val="bg2">
-                    <a:lumMod val="25000"/>
-                  </a:schemeClr>
-                </a:solidFill>
-                <a:latin typeface="Arial" panose="020B0604020202020204" pitchFamily="34" charset="0"/>
-                <a:cs typeface="Arial" panose="020B0604020202020204" pitchFamily="34" charset="0"/>
-              </a:rPr>
-              <a:t>paso mediante los cuales los usuarios efectuaban </a:t>
-            </a:r>
-          </a:p>
-          <a:p>
-            <a:pPr algn="l"/>
-            <a:r>
-              <a:rPr lang="es-ES" sz="3200" dirty="0" smtClean="0">
-                <a:solidFill>
-                  <a:schemeClr val="bg2">
-                    <a:lumMod val="25000"/>
-                  </a:schemeClr>
-                </a:solidFill>
-                <a:latin typeface="Arial" panose="020B0604020202020204" pitchFamily="34" charset="0"/>
-                <a:cs typeface="Arial" panose="020B0604020202020204" pitchFamily="34" charset="0"/>
-              </a:rPr>
-              <a:t>La cancelación de la cuenta.</a:t>
-            </a:r>
-            <a:endParaRPr lang="es-ES" sz="3200" dirty="0">
-              <a:solidFill>
-                <a:schemeClr val="bg2">
-                  <a:lumMod val="25000"/>
-                </a:schemeClr>
-              </a:solidFill>
-              <a:latin typeface="Arial" panose="020B0604020202020204" pitchFamily="34" charset="0"/>
-              <a:cs typeface="Arial" panose="020B0604020202020204" pitchFamily="34" charset="0"/>
-            </a:endParaRPr>
-          </a:p>
-          <a:p>
-            <a:pPr algn="l"/>
-            <a:r>
-              <a:rPr lang="es-ES" sz="3200" b="1" dirty="0">
-                <a:solidFill>
-                  <a:schemeClr val="bg2">
-                    <a:lumMod val="25000"/>
-                  </a:schemeClr>
-                </a:solidFill>
-              </a:rPr>
-              <a:t> </a:t>
-            </a:r>
-          </a:p>
-        </p:txBody>
-      </p:sp>
-    </p:spTree>
-    <p:extLst>
-      <p:ext uri="{BB962C8B-B14F-4D97-AF65-F5344CB8AC3E}">
-        <p14:creationId xmlns:p14="http://schemas.microsoft.com/office/powerpoint/2010/main" val="1280115687"/>
-      </p:ext>
-    </p:extLst>
-  </p:cSld>
-  <p:clrMapOvr>
-    <a:masterClrMapping/>
-  </p:clrMapOvr>
-  <mc:AlternateContent xmlns:mc="http://schemas.openxmlformats.org/markup-compatibility/2006" xmlns:p14="http://schemas.microsoft.com/office/powerpoint/2010/main">
-    <mc:Choice Requires="p14">
-      <p:transition spd="slow" p14:dur="2000">
-        <p14:ferris dir="l"/>
-      </p:transition>
-    </mc:Choice>
-    <mc:Fallback xmlns="">
-      <p:transition spd="slow">
-        <p:fade/>
-      </p:transition>
-    </mc:Fallback>
-  </mc:AlternateContent>
-  <p:timing>
-    <p:tnLst>
-      <p:par>
-        <p:cTn id="1" dur="indefinite" restart="never" nodeType="tmRoot"/>
-      </p:par>
-    </p:tnLst>
-  </p:timing>
-</p:sld>
-</file>
-
-<file path=ppt/slides/slide12.xml><?xml version="1.0" encoding="utf-8"?>
-<p:sld xmlns:a="http://schemas.openxmlformats.org/drawingml/2006/main" xmlns:r="http://schemas.openxmlformats.org/officeDocument/2006/relationships" xmlns:p="http://schemas.openxmlformats.org/presentationml/2006/main">
-  <p:cSld>
-    <p:spTree>
-      <p:nvGrpSpPr>
-        <p:cNvPr id="1" name=""/>
-        <p:cNvGrpSpPr/>
-        <p:nvPr/>
-      </p:nvGrpSpPr>
-      <p:grpSpPr>
-        <a:xfrm>
-          <a:off x="0" y="0"/>
-          <a:ext cx="0" cy="0"/>
-          <a:chOff x="0" y="0"/>
-          <a:chExt cx="0" cy="0"/>
-        </a:xfrm>
-      </p:grpSpPr>
-      <p:sp>
-        <p:nvSpPr>
-          <p:cNvPr id="2" name="1 CuadroTexto"/>
-          <p:cNvSpPr txBox="1"/>
-          <p:nvPr/>
-        </p:nvSpPr>
-        <p:spPr>
-          <a:xfrm>
-            <a:off x="-827903" y="469557"/>
-            <a:ext cx="10527957" cy="704335"/>
-          </a:xfrm>
-          <a:prstGeom prst="rect">
-            <a:avLst/>
-          </a:prstGeom>
-        </p:spPr>
-        <p:txBody>
-          <a:bodyPr vert="horz" wrap="square" lIns="91440" tIns="45720" rIns="91440" bIns="45720" rtlCol="0" anchor="ctr">
-            <a:noAutofit/>
-          </a:bodyPr>
-          <a:lstStyle/>
-          <a:p>
-            <a:pPr algn="ctr"/>
-            <a:r>
-              <a:rPr lang="es-CO" sz="5400" b="1" dirty="0">
-                <a:solidFill>
-                  <a:srgbClr val="92D050"/>
-                </a:solidFill>
-                <a:latin typeface="Arial" panose="020B0604020202020204" pitchFamily="34" charset="0"/>
-                <a:cs typeface="Arial" panose="020B0604020202020204" pitchFamily="34" charset="0"/>
-              </a:rPr>
-              <a:t>TABULACIÓN DE DATOS  </a:t>
-            </a:r>
-          </a:p>
-        </p:txBody>
-      </p:sp>
-      <p:pic>
-        <p:nvPicPr>
-          <p:cNvPr id="3" name="Imagen 3"/>
-          <p:cNvPicPr>
-            <a:picLocks noChangeAspect="1"/>
-          </p:cNvPicPr>
-          <p:nvPr/>
-        </p:nvPicPr>
-        <p:blipFill>
-          <a:blip r:embed="rId2">
-            <a:extLst>
-              <a:ext uri="{28A0092B-C50C-407E-A947-70E740481C1C}">
-                <a14:useLocalDpi xmlns:a14="http://schemas.microsoft.com/office/drawing/2010/main" val="0"/>
-              </a:ext>
-            </a:extLst>
-          </a:blip>
-          <a:stretch>
-            <a:fillRect/>
-          </a:stretch>
-        </p:blipFill>
-        <p:spPr>
-          <a:xfrm>
-            <a:off x="122830" y="1507872"/>
-            <a:ext cx="8841250" cy="4692512"/>
-          </a:xfrm>
-          <a:prstGeom prst="rect">
-            <a:avLst/>
-          </a:prstGeom>
-        </p:spPr>
-      </p:pic>
-    </p:spTree>
-    <p:extLst>
-      <p:ext uri="{BB962C8B-B14F-4D97-AF65-F5344CB8AC3E}">
-        <p14:creationId xmlns:p14="http://schemas.microsoft.com/office/powerpoint/2010/main" val="2271558744"/>
-      </p:ext>
-    </p:extLst>
-  </p:cSld>
-  <p:clrMapOvr>
-    <a:masterClrMapping/>
-  </p:clrMapOvr>
-  <mc:AlternateContent xmlns:mc="http://schemas.openxmlformats.org/markup-compatibility/2006" xmlns:p14="http://schemas.microsoft.com/office/powerpoint/2010/main">
-    <mc:Choice Requires="p14">
-      <p:transition spd="slow" p14:dur="1400">
-        <p14:ripple/>
-      </p:transition>
-    </mc:Choice>
-    <mc:Fallback xmlns="">
-      <p:transition spd="slow">
-        <p:fade/>
-      </p:transition>
-    </mc:Fallback>
-  </mc:AlternateContent>
-  <p:timing>
-    <p:tnLst>
-      <p:par>
-        <p:cTn id="1" dur="indefinite" restart="never" nodeType="tmRoot"/>
-      </p:par>
-    </p:tnLst>
-  </p:timing>
-</p:sld>
-</file>
-
-<file path=ppt/slides/slide13.xml><?xml version="1.0" encoding="utf-8"?>
-<p:sld xmlns:a="http://schemas.openxmlformats.org/drawingml/2006/main" xmlns:r="http://schemas.openxmlformats.org/officeDocument/2006/relationships" xmlns:p="http://schemas.openxmlformats.org/presentationml/2006/main">
-  <p:cSld>
-    <p:spTree>
-      <p:nvGrpSpPr>
-        <p:cNvPr id="1" name=""/>
-        <p:cNvGrpSpPr/>
-        <p:nvPr/>
-      </p:nvGrpSpPr>
-      <p:grpSpPr>
-        <a:xfrm>
-          <a:off x="0" y="0"/>
-          <a:ext cx="0" cy="0"/>
-          <a:chOff x="0" y="0"/>
-          <a:chExt cx="0" cy="0"/>
-        </a:xfrm>
-      </p:grpSpPr>
-      <p:pic>
-        <p:nvPicPr>
-          <p:cNvPr id="2" name="Imagen 4"/>
-          <p:cNvPicPr>
-            <a:picLocks noChangeAspect="1"/>
-          </p:cNvPicPr>
-          <p:nvPr/>
-        </p:nvPicPr>
-        <p:blipFill>
-          <a:blip r:embed="rId2">
-            <a:extLst>
-              <a:ext uri="{28A0092B-C50C-407E-A947-70E740481C1C}">
-                <a14:useLocalDpi xmlns:a14="http://schemas.microsoft.com/office/drawing/2010/main" val="0"/>
-              </a:ext>
-            </a:extLst>
-          </a:blip>
-          <a:stretch>
-            <a:fillRect/>
-          </a:stretch>
-        </p:blipFill>
-        <p:spPr>
-          <a:xfrm>
-            <a:off x="184244" y="1259884"/>
-            <a:ext cx="8775511" cy="4335697"/>
-          </a:xfrm>
-          <a:prstGeom prst="rect">
-            <a:avLst/>
-          </a:prstGeom>
-        </p:spPr>
-      </p:pic>
-      <p:sp>
-        <p:nvSpPr>
-          <p:cNvPr id="3" name="CuadroTexto 2"/>
-          <p:cNvSpPr txBox="1"/>
-          <p:nvPr/>
-        </p:nvSpPr>
-        <p:spPr>
-          <a:xfrm>
-            <a:off x="586853" y="5049671"/>
-            <a:ext cx="5513695" cy="2247878"/>
-          </a:xfrm>
-          <a:prstGeom prst="rect">
-            <a:avLst/>
-          </a:prstGeom>
-        </p:spPr>
-        <p:txBody>
-          <a:bodyPr vert="horz" wrap="none" lIns="91440" tIns="45720" rIns="91440" bIns="45720" rtlCol="0" anchor="ctr">
-            <a:noAutofit/>
-          </a:bodyPr>
-          <a:lstStyle/>
-          <a:p>
-            <a:pPr algn="l"/>
-            <a:r>
-              <a:rPr lang="es-ES" sz="2000" b="1" dirty="0">
-                <a:solidFill>
-                  <a:schemeClr val="bg2">
-                    <a:lumMod val="25000"/>
-                  </a:schemeClr>
-                </a:solidFill>
-              </a:rPr>
-              <a:t>Esta gráfica indica que el  76%  de las personas encuestadas creen que</a:t>
-            </a:r>
-          </a:p>
-          <a:p>
-            <a:pPr algn="l"/>
-            <a:r>
-              <a:rPr lang="es-ES" sz="2000" b="1" dirty="0">
-                <a:solidFill>
-                  <a:schemeClr val="bg2">
-                    <a:lumMod val="25000"/>
-                  </a:schemeClr>
-                </a:solidFill>
-              </a:rPr>
-              <a:t>hacer esta aplicación si los beneficiaría dándoles una mejor satisfacción</a:t>
-            </a:r>
-          </a:p>
-          <a:p>
-            <a:pPr algn="l"/>
-            <a:r>
-              <a:rPr lang="es-ES" sz="2000" b="1" dirty="0">
-                <a:solidFill>
-                  <a:schemeClr val="bg2">
-                    <a:lumMod val="25000"/>
-                  </a:schemeClr>
-                </a:solidFill>
-              </a:rPr>
-              <a:t>y /o experiencia al momento de disponer de este servicio.</a:t>
-            </a:r>
-          </a:p>
-        </p:txBody>
-      </p:sp>
-    </p:spTree>
-    <p:extLst>
-      <p:ext uri="{BB962C8B-B14F-4D97-AF65-F5344CB8AC3E}">
-        <p14:creationId xmlns:p14="http://schemas.microsoft.com/office/powerpoint/2010/main" val="840444418"/>
-      </p:ext>
-    </p:extLst>
-  </p:cSld>
-  <p:clrMapOvr>
-    <a:masterClrMapping/>
-  </p:clrMapOvr>
-  <mc:AlternateContent xmlns:mc="http://schemas.openxmlformats.org/markup-compatibility/2006" xmlns:p14="http://schemas.microsoft.com/office/powerpoint/2010/main">
-    <mc:Choice Requires="p14">
-      <p:transition spd="slow" p14:dur="1400">
-        <p14:ripple/>
-      </p:transition>
-    </mc:Choice>
-    <mc:Fallback xmlns="">
-      <p:transition spd="slow">
-        <p:fade/>
-      </p:transition>
-    </mc:Fallback>
-  </mc:AlternateContent>
-  <p:timing>
-    <p:tnLst>
-      <p:par>
-        <p:cTn id="1" dur="indefinite" restart="never" nodeType="tmRoot"/>
-      </p:par>
-    </p:tnLst>
-  </p:timing>
-</p:sld>
-</file>
-
-<file path=ppt/slides/slide14.xml><?xml version="1.0" encoding="utf-8"?>
-<p:sld xmlns:a="http://schemas.openxmlformats.org/drawingml/2006/main" xmlns:r="http://schemas.openxmlformats.org/officeDocument/2006/relationships" xmlns:p="http://schemas.openxmlformats.org/presentationml/2006/main">
-  <p:cSld>
-    <p:spTree>
-      <p:nvGrpSpPr>
-        <p:cNvPr id="1" name=""/>
-        <p:cNvGrpSpPr/>
-        <p:nvPr/>
-      </p:nvGrpSpPr>
-      <p:grpSpPr>
-        <a:xfrm>
-          <a:off x="0" y="0"/>
-          <a:ext cx="0" cy="0"/>
-          <a:chOff x="0" y="0"/>
-          <a:chExt cx="0" cy="0"/>
-        </a:xfrm>
-      </p:grpSpPr>
-      <p:sp>
-        <p:nvSpPr>
-          <p:cNvPr id="2" name="1 CuadroTexto"/>
-          <p:cNvSpPr txBox="1"/>
-          <p:nvPr/>
-        </p:nvSpPr>
-        <p:spPr>
-          <a:xfrm>
-            <a:off x="2169459" y="600635"/>
-            <a:ext cx="5127812" cy="672353"/>
-          </a:xfrm>
-          <a:prstGeom prst="rect">
-            <a:avLst/>
-          </a:prstGeom>
-        </p:spPr>
-        <p:txBody>
-          <a:bodyPr vert="horz" wrap="square" lIns="91440" tIns="45720" rIns="91440" bIns="45720" rtlCol="0" anchor="ctr">
-            <a:noAutofit/>
-          </a:bodyPr>
-          <a:lstStyle/>
-          <a:p>
-            <a:pPr algn="l"/>
-            <a:r>
-              <a:rPr lang="es-CO" sz="5400" b="1" dirty="0">
-                <a:solidFill>
-                  <a:srgbClr val="92D050"/>
-                </a:solidFill>
-                <a:latin typeface="Arial" panose="020B0604020202020204" pitchFamily="34" charset="0"/>
-                <a:cs typeface="Arial" panose="020B0604020202020204" pitchFamily="34" charset="0"/>
-              </a:rPr>
-              <a:t>EXPERIENCIA </a:t>
-            </a:r>
-          </a:p>
-        </p:txBody>
-      </p:sp>
-      <p:pic>
-        <p:nvPicPr>
-          <p:cNvPr id="3" name="Imagen 3"/>
-          <p:cNvPicPr>
-            <a:picLocks noChangeAspect="1"/>
-          </p:cNvPicPr>
-          <p:nvPr/>
-        </p:nvPicPr>
-        <p:blipFill>
-          <a:blip r:embed="rId2">
-            <a:extLst>
-              <a:ext uri="{28A0092B-C50C-407E-A947-70E740481C1C}">
-                <a14:useLocalDpi xmlns:a14="http://schemas.microsoft.com/office/drawing/2010/main" val="0"/>
-              </a:ext>
-            </a:extLst>
-          </a:blip>
-          <a:stretch>
-            <a:fillRect/>
-          </a:stretch>
-        </p:blipFill>
-        <p:spPr>
-          <a:xfrm>
-            <a:off x="223735" y="2838123"/>
-            <a:ext cx="8719930" cy="3098852"/>
-          </a:xfrm>
-          <a:prstGeom prst="rect">
-            <a:avLst/>
-          </a:prstGeom>
-        </p:spPr>
-      </p:pic>
-      <p:sp>
-        <p:nvSpPr>
-          <p:cNvPr id="6" name="CuadroTexto 5"/>
-          <p:cNvSpPr txBox="1"/>
-          <p:nvPr/>
-        </p:nvSpPr>
-        <p:spPr>
-          <a:xfrm>
-            <a:off x="4844388" y="4190901"/>
-            <a:ext cx="5872265" cy="1928996"/>
-          </a:xfrm>
-          <a:prstGeom prst="rect">
-            <a:avLst/>
-          </a:prstGeom>
-        </p:spPr>
-        <p:txBody>
-          <a:bodyPr vert="horz" wrap="none" lIns="91440" tIns="45720" rIns="91440" bIns="45720" rtlCol="0" anchor="ctr">
-            <a:noAutofit/>
-          </a:bodyPr>
-          <a:lstStyle/>
-          <a:p>
-            <a:pPr algn="l"/>
-            <a:endParaRPr lang="es-ES" sz="2000" b="1" dirty="0">
-              <a:solidFill>
-                <a:schemeClr val="bg2">
-                  <a:lumMod val="25000"/>
-                </a:schemeClr>
-              </a:solidFill>
-            </a:endParaRPr>
-          </a:p>
-        </p:txBody>
-      </p:sp>
-    </p:spTree>
-    <p:extLst>
-      <p:ext uri="{BB962C8B-B14F-4D97-AF65-F5344CB8AC3E}">
-        <p14:creationId xmlns:p14="http://schemas.microsoft.com/office/powerpoint/2010/main" val="1094257176"/>
-      </p:ext>
-    </p:extLst>
-  </p:cSld>
-  <p:clrMapOvr>
-    <a:masterClrMapping/>
-  </p:clrMapOvr>
-  <mc:AlternateContent xmlns:mc="http://schemas.openxmlformats.org/markup-compatibility/2006" xmlns:p14="http://schemas.microsoft.com/office/powerpoint/2010/main">
-    <mc:Choice Requires="p14">
-      <p:transition spd="slow" p14:dur="1400">
-        <p14:ripple/>
-      </p:transition>
-    </mc:Choice>
-    <mc:Fallback xmlns="">
-      <p:transition spd="slow">
-        <p:fade/>
-      </p:transition>
-    </mc:Fallback>
-  </mc:AlternateContent>
-  <p:timing>
-    <p:tnLst>
-      <p:par>
-        <p:cTn id="1" dur="indefinite" restart="never" nodeType="tmRoot"/>
-      </p:par>
-    </p:tnLst>
-  </p:timing>
-</p:sld>
-</file>
-
-<file path=ppt/slides/slide15.xml><?xml version="1.0" encoding="utf-8"?>
-<p:sld xmlns:a="http://schemas.openxmlformats.org/drawingml/2006/main" xmlns:r="http://schemas.openxmlformats.org/officeDocument/2006/relationships" xmlns:p="http://schemas.openxmlformats.org/presentationml/2006/main">
-  <p:cSld>
-    <p:spTree>
-      <p:nvGrpSpPr>
-        <p:cNvPr id="1" name=""/>
-        <p:cNvGrpSpPr/>
-        <p:nvPr/>
-      </p:nvGrpSpPr>
-      <p:grpSpPr>
-        <a:xfrm>
-          <a:off x="0" y="0"/>
-          <a:ext cx="0" cy="0"/>
-          <a:chOff x="0" y="0"/>
-          <a:chExt cx="0" cy="0"/>
-        </a:xfrm>
-      </p:grpSpPr>
-      <p:pic>
-        <p:nvPicPr>
-          <p:cNvPr id="2" name="Imagen 1"/>
-          <p:cNvPicPr>
-            <a:picLocks noChangeAspect="1"/>
-          </p:cNvPicPr>
-          <p:nvPr/>
-        </p:nvPicPr>
-        <p:blipFill>
-          <a:blip r:embed="rId2"/>
-          <a:stretch>
-            <a:fillRect/>
-          </a:stretch>
-        </p:blipFill>
-        <p:spPr>
-          <a:xfrm>
-            <a:off x="71650" y="631475"/>
-            <a:ext cx="9034818" cy="4492420"/>
-          </a:xfrm>
-          <a:prstGeom prst="rect">
-            <a:avLst/>
-          </a:prstGeom>
-        </p:spPr>
-      </p:pic>
-      <p:sp>
-        <p:nvSpPr>
-          <p:cNvPr id="3" name="Rectángulo 2"/>
-          <p:cNvSpPr/>
-          <p:nvPr/>
-        </p:nvSpPr>
-        <p:spPr>
-          <a:xfrm>
-            <a:off x="429904" y="5245878"/>
-            <a:ext cx="8318311" cy="1200329"/>
-          </a:xfrm>
-          <a:prstGeom prst="rect">
-            <a:avLst/>
-          </a:prstGeom>
-        </p:spPr>
-        <p:txBody>
-          <a:bodyPr wrap="square">
-            <a:spAutoFit/>
-          </a:bodyPr>
-          <a:lstStyle/>
-          <a:p>
-            <a:r>
-              <a:rPr lang="es-ES" b="1" dirty="0">
-                <a:solidFill>
-                  <a:schemeClr val="bg2">
-                    <a:lumMod val="25000"/>
-                  </a:schemeClr>
-                </a:solidFill>
-              </a:rPr>
-              <a:t>Las estadísticas indican que de 12 personas encuestadas que han ido a comer a los establecimientos de Andrés carne de res. El 41% ha tenido una Buena experiencia, el 42% ha tenido una experiencia regular, y el 17% ha tenido una mala experiencia en estos establecimientos.</a:t>
-            </a:r>
-          </a:p>
-        </p:txBody>
-      </p:sp>
-    </p:spTree>
-    <p:extLst>
-      <p:ext uri="{BB962C8B-B14F-4D97-AF65-F5344CB8AC3E}">
-        <p14:creationId xmlns:p14="http://schemas.microsoft.com/office/powerpoint/2010/main" val="1161329838"/>
-      </p:ext>
-    </p:extLst>
-  </p:cSld>
-  <p:clrMapOvr>
-    <a:masterClrMapping/>
-  </p:clrMapOvr>
-  <mc:AlternateContent xmlns:mc="http://schemas.openxmlformats.org/markup-compatibility/2006" xmlns:p14="http://schemas.microsoft.com/office/powerpoint/2010/main">
-    <mc:Choice Requires="p14">
-      <p:transition spd="slow" p14:dur="1400">
-        <p14:ripple/>
-      </p:transition>
-    </mc:Choice>
-    <mc:Fallback xmlns="">
-      <p:transition spd="slow">
-        <p:fade/>
-      </p:transition>
-    </mc:Fallback>
-  </mc:AlternateContent>
-  <p:timing>
-    <p:tnLst>
-      <p:par>
-        <p:cTn id="1" dur="indefinite" restart="never" nodeType="tmRoot"/>
-      </p:par>
-    </p:tnLst>
-  </p:timing>
-</p:sld>
-</file>
-
-<file path=ppt/slides/slide16.xml><?xml version="1.0" encoding="utf-8"?>
 <p:sld xmlns:a="http://schemas.openxmlformats.org/drawingml/2006/main" xmlns:r="http://schemas.openxmlformats.org/officeDocument/2006/relationships" xmlns:p="http://schemas.openxmlformats.org/presentationml/2006/main">
   <p:cSld>
     <p:spTree>
@@ -9188,14 +8327,10 @@
   </p:clrMapOvr>
   <mc:AlternateContent xmlns:mc="http://schemas.openxmlformats.org/markup-compatibility/2006" xmlns:p14="http://schemas.microsoft.com/office/powerpoint/2010/main">
     <mc:Choice Requires="p14">
-      <p:transition spd="slow" p14:dur="800">
-        <p:circle/>
-      </p:transition>
+      <p:transition p14:dur="0"/>
     </mc:Choice>
     <mc:Fallback xmlns="">
-      <p:transition spd="slow">
-        <p:circle/>
-      </p:transition>
+      <p:transition/>
     </mc:Fallback>
   </mc:AlternateContent>
   <p:timing>
@@ -9227,73 +8362,14 @@
       </p:grpSpPr>
       <p:sp>
         <p:nvSpPr>
-          <p:cNvPr id="2" name="CuadroTexto 1"/>
-          <p:cNvSpPr txBox="1"/>
-          <p:nvPr/>
-        </p:nvSpPr>
-        <p:spPr>
-          <a:xfrm>
-            <a:off x="4230711" y="3693904"/>
-            <a:ext cx="914400" cy="914400"/>
-          </a:xfrm>
-          <a:prstGeom prst="rect">
-            <a:avLst/>
-          </a:prstGeom>
-        </p:spPr>
-        <p:txBody>
-          <a:bodyPr vert="horz" wrap="none" lIns="91440" tIns="45720" rIns="91440" bIns="45720" rtlCol="0" anchor="ctr">
-            <a:noAutofit/>
-          </a:bodyPr>
-          <a:lstStyle/>
-          <a:p>
-            <a:pPr algn="l"/>
-            <a:endParaRPr lang="es-CO" sz="3200" dirty="0">
-              <a:latin typeface="Arial" panose="020B0604020202020204" pitchFamily="34" charset="0"/>
-              <a:cs typeface="Arial" panose="020B0604020202020204" pitchFamily="34" charset="0"/>
-            </a:endParaRPr>
-          </a:p>
-          <a:p>
-            <a:pPr algn="ctr"/>
-            <a:r>
-              <a:rPr lang="es-CO" sz="3200" b="1" dirty="0">
-                <a:latin typeface="Arial" panose="020B0604020202020204" pitchFamily="34" charset="0"/>
-                <a:cs typeface="Arial" panose="020B0604020202020204" pitchFamily="34" charset="0"/>
-              </a:rPr>
-              <a:t>SISTEMA DE AUTOMATIZACIÓN DE </a:t>
-            </a:r>
-          </a:p>
-          <a:p>
-            <a:pPr algn="ctr"/>
-            <a:r>
-              <a:rPr lang="es-CO" sz="3200" b="1" dirty="0">
-                <a:latin typeface="Arial" panose="020B0604020202020204" pitchFamily="34" charset="0"/>
-                <a:cs typeface="Arial" panose="020B0604020202020204" pitchFamily="34" charset="0"/>
-              </a:rPr>
-              <a:t>PAGOS PARA ESTABLECIMIENTOS </a:t>
-            </a:r>
-          </a:p>
-          <a:p>
-            <a:pPr algn="ctr"/>
-            <a:r>
-              <a:rPr lang="es-CO" sz="3200" b="1" dirty="0">
-                <a:latin typeface="Arial" panose="020B0604020202020204" pitchFamily="34" charset="0"/>
-                <a:cs typeface="Arial" panose="020B0604020202020204" pitchFamily="34" charset="0"/>
-              </a:rPr>
-              <a:t>DEL SECTOR GASTRONÓMICO.</a:t>
-            </a:r>
-          </a:p>
-        </p:txBody>
-      </p:sp>
-      <p:sp>
-        <p:nvSpPr>
           <p:cNvPr id="3" name="CuadroTexto 2"/>
           <p:cNvSpPr txBox="1"/>
           <p:nvPr/>
         </p:nvSpPr>
         <p:spPr>
           <a:xfrm>
-            <a:off x="1" y="1403797"/>
-            <a:ext cx="8461420" cy="141668"/>
+            <a:off x="862445" y="4042064"/>
+            <a:ext cx="7408719" cy="2192481"/>
           </a:xfrm>
           <a:prstGeom prst="rect">
             <a:avLst/>
@@ -9306,24 +8382,115 @@
           <a:lstStyle/>
           <a:p>
             <a:pPr algn="l"/>
+            <a:endParaRPr lang="es-CO" sz="4000" b="1" dirty="0">
+              <a:solidFill>
+                <a:srgbClr val="92D050"/>
+              </a:solidFill>
+            </a:endParaRPr>
+          </a:p>
+        </p:txBody>
+      </p:sp>
+      <p:sp>
+        <p:nvSpPr>
+          <p:cNvPr id="4" name="CuadroTexto 3"/>
+          <p:cNvSpPr txBox="1"/>
+          <p:nvPr/>
+        </p:nvSpPr>
+        <p:spPr>
+          <a:xfrm>
+            <a:off x="443671" y="1982301"/>
+            <a:ext cx="8037715" cy="2421082"/>
+          </a:xfrm>
+          <a:prstGeom prst="rect">
+            <a:avLst/>
+          </a:prstGeom>
+        </p:spPr>
+        <p:txBody>
+          <a:bodyPr vert="horz" wrap="square" lIns="91440" tIns="45720" rIns="91440" bIns="45720" rtlCol="0" anchor="ctr">
+            <a:noAutofit/>
+          </a:bodyPr>
+          <a:lstStyle/>
+          <a:p>
+            <a:pPr algn="ctr"/>
+            <a:endParaRPr lang="es-CO" sz="8000" b="1" dirty="0">
+              <a:solidFill>
+                <a:schemeClr val="accent3">
+                  <a:lumMod val="50000"/>
+                </a:schemeClr>
+              </a:solidFill>
+              <a:latin typeface="Arial" panose="020B0604020202020204" pitchFamily="34" charset="0"/>
+              <a:cs typeface="Arial" panose="020B0604020202020204" pitchFamily="34" charset="0"/>
+            </a:endParaRPr>
+          </a:p>
+          <a:p>
+            <a:pPr algn="ctr"/>
+            <a:r>
+              <a:rPr lang="es-CO" sz="8000" b="1" dirty="0" smtClean="0">
+                <a:latin typeface="Arial" panose="020B0604020202020204" pitchFamily="34" charset="0"/>
+                <a:cs typeface="Arial" panose="020B0604020202020204" pitchFamily="34" charset="0"/>
+              </a:rPr>
+              <a:t>S.A.N.F</a:t>
+            </a:r>
             <a:r>
               <a:rPr lang="es-CO" sz="8000" b="1" dirty="0">
+                <a:latin typeface="Arial" panose="020B0604020202020204" pitchFamily="34" charset="0"/>
+                <a:cs typeface="Arial" panose="020B0604020202020204" pitchFamily="34" charset="0"/>
+              </a:rPr>
+              <a:t/>
+            </a:r>
+            <a:br>
+              <a:rPr lang="es-CO" sz="8000" b="1" dirty="0">
+                <a:latin typeface="Arial" panose="020B0604020202020204" pitchFamily="34" charset="0"/>
+                <a:cs typeface="Arial" panose="020B0604020202020204" pitchFamily="34" charset="0"/>
+              </a:rPr>
+            </a:br>
+            <a:r>
+              <a:rPr lang="es-CO" sz="8000" b="1" dirty="0">
+                <a:latin typeface="Arial" panose="020B0604020202020204" pitchFamily="34" charset="0"/>
+                <a:cs typeface="Arial" panose="020B0604020202020204" pitchFamily="34" charset="0"/>
+              </a:rPr>
+              <a:t>SOLUTION HELPS </a:t>
+            </a:r>
+          </a:p>
+        </p:txBody>
+      </p:sp>
+      <p:sp>
+        <p:nvSpPr>
+          <p:cNvPr id="2" name="CuadroTexto 1"/>
+          <p:cNvSpPr txBox="1"/>
+          <p:nvPr/>
+        </p:nvSpPr>
+        <p:spPr>
+          <a:xfrm>
+            <a:off x="688370" y="283336"/>
+            <a:ext cx="7322288" cy="991673"/>
+          </a:xfrm>
+          <a:prstGeom prst="rect">
+            <a:avLst/>
+          </a:prstGeom>
+        </p:spPr>
+        <p:txBody>
+          <a:bodyPr vert="horz" wrap="square" lIns="91440" tIns="45720" rIns="91440" bIns="45720" rtlCol="0" anchor="ctr">
+            <a:noAutofit/>
+          </a:bodyPr>
+          <a:lstStyle/>
+          <a:p>
+            <a:pPr algn="l"/>
+            <a:r>
+              <a:rPr lang="es-CO" sz="8000" b="1" dirty="0">
                 <a:solidFill>
                   <a:srgbClr val="92D050"/>
                 </a:solidFill>
               </a:rPr>
-              <a:t>					NOMBRE</a:t>
-            </a:r>
-          </a:p>
-          <a:p>
-            <a:pPr algn="l"/>
-            <a:r>
-              <a:rPr lang="es-CO" sz="8000" b="1" dirty="0">
+              <a:t>		</a:t>
+            </a:r>
+            <a:r>
+              <a:rPr lang="es-CO" sz="5400" b="1" dirty="0">
                 <a:solidFill>
                   <a:srgbClr val="92D050"/>
                 </a:solidFill>
               </a:rPr>
-              <a:t> 			DEL  PROYECTO </a:t>
+              <a:t>NOMBRE COMERCIAL </a:t>
             </a:r>
           </a:p>
         </p:txBody>
@@ -9331,7 +8498,7 @@
     </p:spTree>
     <p:extLst>
       <p:ext uri="{BB962C8B-B14F-4D97-AF65-F5344CB8AC3E}">
-        <p14:creationId xmlns:p14="http://schemas.microsoft.com/office/powerpoint/2010/main" val="1305684113"/>
+        <p14:creationId xmlns:p14="http://schemas.microsoft.com/office/powerpoint/2010/main" val="988182437"/>
       </p:ext>
     </p:extLst>
   </p:cSld>
@@ -9340,14 +8507,10 @@
   </p:clrMapOvr>
   <mc:AlternateContent xmlns:mc="http://schemas.openxmlformats.org/markup-compatibility/2006" xmlns:p14="http://schemas.microsoft.com/office/powerpoint/2010/main">
     <mc:Choice Requires="p14">
-      <p:transition spd="slow" p14:dur="800">
-        <p:circle/>
-      </p:transition>
+      <p:transition p14:dur="0"/>
     </mc:Choice>
     <mc:Fallback xmlns="">
-      <p:transition spd="slow">
-        <p:circle/>
-      </p:transition>
+      <p:transition/>
     </mc:Fallback>
   </mc:AlternateContent>
   <p:timing>
@@ -9379,14 +8542,73 @@
       </p:grpSpPr>
       <p:sp>
         <p:nvSpPr>
+          <p:cNvPr id="2" name="CuadroTexto 1"/>
+          <p:cNvSpPr txBox="1"/>
+          <p:nvPr/>
+        </p:nvSpPr>
+        <p:spPr>
+          <a:xfrm>
+            <a:off x="4230711" y="3693904"/>
+            <a:ext cx="914400" cy="914400"/>
+          </a:xfrm>
+          <a:prstGeom prst="rect">
+            <a:avLst/>
+          </a:prstGeom>
+        </p:spPr>
+        <p:txBody>
+          <a:bodyPr vert="horz" wrap="none" lIns="91440" tIns="45720" rIns="91440" bIns="45720" rtlCol="0" anchor="ctr">
+            <a:noAutofit/>
+          </a:bodyPr>
+          <a:lstStyle/>
+          <a:p>
+            <a:pPr algn="l"/>
+            <a:endParaRPr lang="es-CO" sz="3200" dirty="0">
+              <a:latin typeface="Arial" panose="020B0604020202020204" pitchFamily="34" charset="0"/>
+              <a:cs typeface="Arial" panose="020B0604020202020204" pitchFamily="34" charset="0"/>
+            </a:endParaRPr>
+          </a:p>
+          <a:p>
+            <a:pPr algn="ctr"/>
+            <a:r>
+              <a:rPr lang="es-CO" sz="3200" b="1" dirty="0">
+                <a:latin typeface="Arial" panose="020B0604020202020204" pitchFamily="34" charset="0"/>
+                <a:cs typeface="Arial" panose="020B0604020202020204" pitchFamily="34" charset="0"/>
+              </a:rPr>
+              <a:t>SISTEMA DE AUTOMATIZACIÓN DE </a:t>
+            </a:r>
+          </a:p>
+          <a:p>
+            <a:pPr algn="ctr"/>
+            <a:r>
+              <a:rPr lang="es-CO" sz="3200" b="1" dirty="0">
+                <a:latin typeface="Arial" panose="020B0604020202020204" pitchFamily="34" charset="0"/>
+                <a:cs typeface="Arial" panose="020B0604020202020204" pitchFamily="34" charset="0"/>
+              </a:rPr>
+              <a:t>PAGOS PARA ESTABLECIMIENTOS </a:t>
+            </a:r>
+          </a:p>
+          <a:p>
+            <a:pPr algn="ctr"/>
+            <a:r>
+              <a:rPr lang="es-CO" sz="3200" b="1" dirty="0">
+                <a:latin typeface="Arial" panose="020B0604020202020204" pitchFamily="34" charset="0"/>
+                <a:cs typeface="Arial" panose="020B0604020202020204" pitchFamily="34" charset="0"/>
+              </a:rPr>
+              <a:t>DEL SECTOR GASTRONÓMICO.</a:t>
+            </a:r>
+          </a:p>
+        </p:txBody>
+      </p:sp>
+      <p:sp>
+        <p:nvSpPr>
           <p:cNvPr id="3" name="CuadroTexto 2"/>
           <p:cNvSpPr txBox="1"/>
           <p:nvPr/>
         </p:nvSpPr>
         <p:spPr>
           <a:xfrm>
-            <a:off x="862445" y="4042064"/>
-            <a:ext cx="7408719" cy="2192481"/>
+            <a:off x="1" y="1403797"/>
+            <a:ext cx="8461420" cy="141668"/>
           </a:xfrm>
           <a:prstGeom prst="rect">
             <a:avLst/>
@@ -9399,115 +8621,24 @@
           <a:lstStyle/>
           <a:p>
             <a:pPr algn="l"/>
-            <a:endParaRPr lang="es-CO" sz="4000" b="1" dirty="0">
-              <a:solidFill>
-                <a:srgbClr val="92D050"/>
-              </a:solidFill>
-            </a:endParaRPr>
-          </a:p>
-        </p:txBody>
-      </p:sp>
-      <p:sp>
-        <p:nvSpPr>
-          <p:cNvPr id="4" name="CuadroTexto 3"/>
-          <p:cNvSpPr txBox="1"/>
-          <p:nvPr/>
-        </p:nvSpPr>
-        <p:spPr>
-          <a:xfrm>
-            <a:off x="443671" y="1982301"/>
-            <a:ext cx="8037715" cy="2421082"/>
-          </a:xfrm>
-          <a:prstGeom prst="rect">
-            <a:avLst/>
-          </a:prstGeom>
-        </p:spPr>
-        <p:txBody>
-          <a:bodyPr vert="horz" wrap="square" lIns="91440" tIns="45720" rIns="91440" bIns="45720" rtlCol="0" anchor="ctr">
-            <a:noAutofit/>
-          </a:bodyPr>
-          <a:lstStyle/>
-          <a:p>
-            <a:pPr algn="ctr"/>
-            <a:endParaRPr lang="es-CO" sz="8000" b="1" dirty="0">
-              <a:solidFill>
-                <a:schemeClr val="accent3">
-                  <a:lumMod val="50000"/>
-                </a:schemeClr>
-              </a:solidFill>
-              <a:latin typeface="Arial" panose="020B0604020202020204" pitchFamily="34" charset="0"/>
-              <a:cs typeface="Arial" panose="020B0604020202020204" pitchFamily="34" charset="0"/>
-            </a:endParaRPr>
-          </a:p>
-          <a:p>
-            <a:pPr algn="ctr"/>
-            <a:r>
-              <a:rPr lang="es-CO" sz="8000" b="1" dirty="0" smtClean="0">
-                <a:latin typeface="Arial" panose="020B0604020202020204" pitchFamily="34" charset="0"/>
-                <a:cs typeface="Arial" panose="020B0604020202020204" pitchFamily="34" charset="0"/>
-              </a:rPr>
-              <a:t>S.A.N.F</a:t>
-            </a:r>
             <a:r>
               <a:rPr lang="es-CO" sz="8000" b="1" dirty="0">
-                <a:latin typeface="Arial" panose="020B0604020202020204" pitchFamily="34" charset="0"/>
-                <a:cs typeface="Arial" panose="020B0604020202020204" pitchFamily="34" charset="0"/>
-              </a:rPr>
-              <a:t/>
-            </a:r>
-            <a:br>
+                <a:solidFill>
+                  <a:srgbClr val="92D050"/>
+                </a:solidFill>
+              </a:rPr>
+              <a:t>					NOMBRE</a:t>
+            </a:r>
+          </a:p>
+          <a:p>
+            <a:pPr algn="l"/>
+            <a:r>
               <a:rPr lang="es-CO" sz="8000" b="1" dirty="0">
-                <a:latin typeface="Arial" panose="020B0604020202020204" pitchFamily="34" charset="0"/>
-                <a:cs typeface="Arial" panose="020B0604020202020204" pitchFamily="34" charset="0"/>
-              </a:rPr>
-            </a:br>
-            <a:r>
-              <a:rPr lang="es-CO" sz="8000" b="1" dirty="0">
-                <a:latin typeface="Arial" panose="020B0604020202020204" pitchFamily="34" charset="0"/>
-                <a:cs typeface="Arial" panose="020B0604020202020204" pitchFamily="34" charset="0"/>
-              </a:rPr>
-              <a:t>SOLUTION HELPS </a:t>
-            </a:r>
-          </a:p>
-        </p:txBody>
-      </p:sp>
-      <p:sp>
-        <p:nvSpPr>
-          <p:cNvPr id="2" name="CuadroTexto 1"/>
-          <p:cNvSpPr txBox="1"/>
-          <p:nvPr/>
-        </p:nvSpPr>
-        <p:spPr>
-          <a:xfrm>
-            <a:off x="688370" y="283336"/>
-            <a:ext cx="7322288" cy="991673"/>
-          </a:xfrm>
-          <a:prstGeom prst="rect">
-            <a:avLst/>
-          </a:prstGeom>
-        </p:spPr>
-        <p:txBody>
-          <a:bodyPr vert="horz" wrap="square" lIns="91440" tIns="45720" rIns="91440" bIns="45720" rtlCol="0" anchor="ctr">
-            <a:noAutofit/>
-          </a:bodyPr>
-          <a:lstStyle/>
-          <a:p>
-            <a:pPr algn="l"/>
-            <a:r>
-              <a:rPr lang="es-CO" sz="8000" b="1" dirty="0">
                 <a:solidFill>
                   <a:srgbClr val="92D050"/>
                 </a:solidFill>
               </a:rPr>
-              <a:t>		</a:t>
-            </a:r>
-            <a:r>
-              <a:rPr lang="es-CO" sz="5400" b="1" dirty="0">
-                <a:solidFill>
-                  <a:srgbClr val="92D050"/>
-                </a:solidFill>
-              </a:rPr>
-              <a:t>NOMBRE COMERCIAL </a:t>
+              <a:t> 			DEL  PROYECTO </a:t>
             </a:r>
           </a:p>
         </p:txBody>
@@ -9515,7 +8646,7 @@
     </p:spTree>
     <p:extLst>
       <p:ext uri="{BB962C8B-B14F-4D97-AF65-F5344CB8AC3E}">
-        <p14:creationId xmlns:p14="http://schemas.microsoft.com/office/powerpoint/2010/main" val="988182437"/>
+        <p14:creationId xmlns:p14="http://schemas.microsoft.com/office/powerpoint/2010/main" val="1305684113"/>
       </p:ext>
     </p:extLst>
   </p:cSld>
@@ -9524,14 +8655,10 @@
   </p:clrMapOvr>
   <mc:AlternateContent xmlns:mc="http://schemas.openxmlformats.org/markup-compatibility/2006" xmlns:p14="http://schemas.microsoft.com/office/powerpoint/2010/main">
     <mc:Choice Requires="p14">
-      <p:transition spd="slow" p14:dur="3900">
-        <p14:glitter pattern="hexagon"/>
-      </p:transition>
+      <p:transition p14:dur="0"/>
     </mc:Choice>
     <mc:Fallback xmlns="">
-      <p:transition spd="slow">
-        <p:fade/>
-      </p:transition>
+      <p:transition/>
     </mc:Fallback>
   </mc:AlternateContent>
   <p:timing>
@@ -9604,7 +8731,7 @@
         </p:nvSpPr>
         <p:spPr>
           <a:xfrm>
-            <a:off x="216569" y="4159962"/>
+            <a:off x="849086" y="3931646"/>
             <a:ext cx="6533322" cy="477079"/>
           </a:xfrm>
           <a:prstGeom prst="rect">
@@ -9617,93 +8744,360 @@
           </a:bodyPr>
           <a:lstStyle/>
           <a:p>
-            <a:pPr algn="l"/>
-            <a:r>
-              <a:rPr lang="es-CO" sz="3200" dirty="0">
+            <a:r>
+              <a:rPr lang="es-CO" sz="2400" dirty="0">
                 <a:latin typeface="Arial" panose="020B0604020202020204" pitchFamily="34" charset="0"/>
                 <a:cs typeface="Arial" panose="020B0604020202020204" pitchFamily="34" charset="0"/>
               </a:rPr>
-              <a:t>El factor por el cual presentamos la idea de</a:t>
-            </a:r>
-          </a:p>
-          <a:p>
-            <a:pPr algn="l"/>
-            <a:r>
-              <a:rPr lang="es-CO" sz="3200" dirty="0">
+              <a:t>Este proyecto tiene como fin implementar un </a:t>
+            </a:r>
+            <a:r>
+              <a:rPr lang="es-CO" sz="2400" dirty="0" smtClean="0">
                 <a:latin typeface="Arial" panose="020B0604020202020204" pitchFamily="34" charset="0"/>
                 <a:cs typeface="Arial" panose="020B0604020202020204" pitchFamily="34" charset="0"/>
               </a:rPr>
-              <a:t>este proyecto, surgió debido a que </a:t>
-            </a:r>
-          </a:p>
-          <a:p>
-            <a:pPr algn="l"/>
-            <a:r>
-              <a:rPr lang="es-CO" sz="3200" dirty="0">
+              <a:t>sistema de </a:t>
+            </a:r>
+          </a:p>
+          <a:p>
+            <a:r>
+              <a:rPr lang="es-CO" sz="2400" dirty="0" smtClean="0">
                 <a:latin typeface="Arial" panose="020B0604020202020204" pitchFamily="34" charset="0"/>
                 <a:cs typeface="Arial" panose="020B0604020202020204" pitchFamily="34" charset="0"/>
               </a:rPr>
-              <a:t>identificamos una problemática al instante</a:t>
-            </a:r>
-          </a:p>
-          <a:p>
-            <a:pPr algn="l"/>
-            <a:r>
-              <a:rPr lang="es-CO" sz="3200" dirty="0">
+              <a:t>información </a:t>
+            </a:r>
+            <a:r>
+              <a:rPr lang="es-CO" sz="2400" dirty="0">
                 <a:latin typeface="Arial" panose="020B0604020202020204" pitchFamily="34" charset="0"/>
                 <a:cs typeface="Arial" panose="020B0604020202020204" pitchFamily="34" charset="0"/>
               </a:rPr>
-              <a:t>que una persona desea cancelar su consumo, ya </a:t>
-            </a:r>
-          </a:p>
-          <a:p>
-            <a:pPr algn="l"/>
-            <a:r>
-              <a:rPr lang="es-CO" sz="3200" dirty="0">
+              <a:t>el cual </a:t>
+            </a:r>
+            <a:r>
+              <a:rPr lang="es-CO" sz="2400" dirty="0" smtClean="0">
                 <a:latin typeface="Arial" panose="020B0604020202020204" pitchFamily="34" charset="0"/>
                 <a:cs typeface="Arial" panose="020B0604020202020204" pitchFamily="34" charset="0"/>
               </a:rPr>
-              <a:t>que no cuenta con una herramienta tecnológica</a:t>
-            </a:r>
-          </a:p>
-          <a:p>
-            <a:pPr algn="l"/>
-            <a:r>
-              <a:rPr lang="es-CO" sz="3200" dirty="0">
+              <a:t>permita </a:t>
+            </a:r>
+            <a:r>
+              <a:rPr lang="es-CO" sz="2400" dirty="0">
                 <a:latin typeface="Arial" panose="020B0604020202020204" pitchFamily="34" charset="0"/>
                 <a:cs typeface="Arial" panose="020B0604020202020204" pitchFamily="34" charset="0"/>
               </a:rPr>
-              <a:t>que agilice este proceso. También notamos </a:t>
-            </a:r>
-          </a:p>
-          <a:p>
-            <a:pPr algn="l"/>
-            <a:r>
-              <a:rPr lang="es-CO" sz="3200" dirty="0">
+              <a:t>ordenar </a:t>
+            </a:r>
+            <a:r>
+              <a:rPr lang="es-CO" sz="2400" dirty="0" smtClean="0">
                 <a:latin typeface="Arial" panose="020B0604020202020204" pitchFamily="34" charset="0"/>
                 <a:cs typeface="Arial" panose="020B0604020202020204" pitchFamily="34" charset="0"/>
               </a:rPr>
-              <a:t>que las personas no se sienten satisfechas ni </a:t>
-            </a:r>
-          </a:p>
-          <a:p>
-            <a:pPr algn="l"/>
-            <a:r>
-              <a:rPr lang="es-CO" sz="3200" dirty="0">
+              <a:t>y pagar </a:t>
+            </a:r>
+            <a:r>
+              <a:rPr lang="es-CO" sz="2400" dirty="0">
                 <a:latin typeface="Arial" panose="020B0604020202020204" pitchFamily="34" charset="0"/>
                 <a:cs typeface="Arial" panose="020B0604020202020204" pitchFamily="34" charset="0"/>
               </a:rPr>
-              <a:t>cómodas al hacer filas para realizar el </a:t>
-            </a:r>
-          </a:p>
-          <a:p>
-            <a:pPr algn="l"/>
-            <a:r>
-              <a:rPr lang="es-CO" sz="3200" dirty="0">
+              <a:t>de forma </a:t>
+            </a:r>
+            <a:endParaRPr lang="es-CO" sz="2400" dirty="0" smtClean="0">
+              <a:latin typeface="Arial" panose="020B0604020202020204" pitchFamily="34" charset="0"/>
+              <a:cs typeface="Arial" panose="020B0604020202020204" pitchFamily="34" charset="0"/>
+            </a:endParaRPr>
+          </a:p>
+          <a:p>
+            <a:r>
+              <a:rPr lang="es-CO" sz="2400" dirty="0" smtClean="0">
                 <a:latin typeface="Arial" panose="020B0604020202020204" pitchFamily="34" charset="0"/>
                 <a:cs typeface="Arial" panose="020B0604020202020204" pitchFamily="34" charset="0"/>
               </a:rPr>
-              <a:t>pago.</a:t>
+              <a:t>efectiva </a:t>
+            </a:r>
+            <a:r>
+              <a:rPr lang="es-CO" sz="2400" dirty="0">
+                <a:latin typeface="Arial" panose="020B0604020202020204" pitchFamily="34" charset="0"/>
+                <a:cs typeface="Arial" panose="020B0604020202020204" pitchFamily="34" charset="0"/>
+              </a:rPr>
+              <a:t>los consumos realizados </a:t>
+            </a:r>
+            <a:r>
+              <a:rPr lang="es-CO" sz="2400" dirty="0" smtClean="0">
+                <a:latin typeface="Arial" panose="020B0604020202020204" pitchFamily="34" charset="0"/>
+                <a:cs typeface="Arial" panose="020B0604020202020204" pitchFamily="34" charset="0"/>
+              </a:rPr>
+              <a:t>por </a:t>
+            </a:r>
+            <a:r>
+              <a:rPr lang="es-CO" sz="2400" dirty="0">
+                <a:latin typeface="Arial" panose="020B0604020202020204" pitchFamily="34" charset="0"/>
+                <a:cs typeface="Arial" panose="020B0604020202020204" pitchFamily="34" charset="0"/>
+              </a:rPr>
+              <a:t>parte de los </a:t>
+            </a:r>
+            <a:endParaRPr lang="es-CO" sz="2400" dirty="0" smtClean="0">
+              <a:latin typeface="Arial" panose="020B0604020202020204" pitchFamily="34" charset="0"/>
+              <a:cs typeface="Arial" panose="020B0604020202020204" pitchFamily="34" charset="0"/>
+            </a:endParaRPr>
+          </a:p>
+          <a:p>
+            <a:r>
+              <a:rPr lang="es-CO" sz="2400" dirty="0" smtClean="0">
+                <a:latin typeface="Arial" panose="020B0604020202020204" pitchFamily="34" charset="0"/>
+                <a:cs typeface="Arial" panose="020B0604020202020204" pitchFamily="34" charset="0"/>
+              </a:rPr>
+              <a:t>usuarios </a:t>
+            </a:r>
+            <a:r>
+              <a:rPr lang="es-CO" sz="2400" dirty="0">
+                <a:latin typeface="Arial" panose="020B0604020202020204" pitchFamily="34" charset="0"/>
+                <a:cs typeface="Arial" panose="020B0604020202020204" pitchFamily="34" charset="0"/>
+              </a:rPr>
+              <a:t>en los diferentes </a:t>
+            </a:r>
+            <a:r>
+              <a:rPr lang="es-CO" sz="2400" dirty="0" smtClean="0">
+                <a:latin typeface="Arial" panose="020B0604020202020204" pitchFamily="34" charset="0"/>
+                <a:cs typeface="Arial" panose="020B0604020202020204" pitchFamily="34" charset="0"/>
+              </a:rPr>
+              <a:t>establecimientos </a:t>
+            </a:r>
+            <a:r>
+              <a:rPr lang="es-CO" sz="2400" dirty="0">
+                <a:latin typeface="Arial" panose="020B0604020202020204" pitchFamily="34" charset="0"/>
+                <a:cs typeface="Arial" panose="020B0604020202020204" pitchFamily="34" charset="0"/>
+              </a:rPr>
+              <a:t>del sector </a:t>
+            </a:r>
+            <a:endParaRPr lang="es-CO" sz="2400" dirty="0" smtClean="0">
+              <a:latin typeface="Arial" panose="020B0604020202020204" pitchFamily="34" charset="0"/>
+              <a:cs typeface="Arial" panose="020B0604020202020204" pitchFamily="34" charset="0"/>
+            </a:endParaRPr>
+          </a:p>
+          <a:p>
+            <a:r>
+              <a:rPr lang="es-CO" sz="2400" dirty="0" smtClean="0">
+                <a:latin typeface="Arial" panose="020B0604020202020204" pitchFamily="34" charset="0"/>
+                <a:cs typeface="Arial" panose="020B0604020202020204" pitchFamily="34" charset="0"/>
+              </a:rPr>
+              <a:t>gastronómico, </a:t>
+            </a:r>
+            <a:r>
+              <a:rPr lang="es-CO" sz="2400" dirty="0" smtClean="0">
+                <a:latin typeface="Arial" panose="020B0604020202020204" pitchFamily="34" charset="0"/>
+                <a:cs typeface="Arial" panose="020B0604020202020204" pitchFamily="34" charset="0"/>
+              </a:rPr>
+              <a:t>(</a:t>
+            </a:r>
+            <a:r>
+              <a:rPr lang="es-CO" sz="2400" dirty="0" smtClean="0">
+                <a:latin typeface="Arial" panose="020B0604020202020204" pitchFamily="34" charset="0"/>
+                <a:cs typeface="Arial" panose="020B0604020202020204" pitchFamily="34" charset="0"/>
+              </a:rPr>
+              <a:t>Restaurantes</a:t>
+            </a:r>
+            <a:r>
+              <a:rPr lang="es-CO" sz="2400" dirty="0">
+                <a:latin typeface="Arial" panose="020B0604020202020204" pitchFamily="34" charset="0"/>
+                <a:cs typeface="Arial" panose="020B0604020202020204" pitchFamily="34" charset="0"/>
+              </a:rPr>
+              <a:t>). La idea es que </a:t>
+            </a:r>
+            <a:endParaRPr lang="es-CO" sz="2400" dirty="0" smtClean="0">
+              <a:latin typeface="Arial" panose="020B0604020202020204" pitchFamily="34" charset="0"/>
+              <a:cs typeface="Arial" panose="020B0604020202020204" pitchFamily="34" charset="0"/>
+            </a:endParaRPr>
+          </a:p>
+          <a:p>
+            <a:r>
+              <a:rPr lang="es-CO" sz="2400" dirty="0" smtClean="0">
+                <a:latin typeface="Arial" panose="020B0604020202020204" pitchFamily="34" charset="0"/>
+                <a:cs typeface="Arial" panose="020B0604020202020204" pitchFamily="34" charset="0"/>
+              </a:rPr>
+              <a:t>dichos </a:t>
+            </a:r>
+            <a:r>
+              <a:rPr lang="es-CO" sz="2400" dirty="0">
+                <a:latin typeface="Arial" panose="020B0604020202020204" pitchFamily="34" charset="0"/>
+                <a:cs typeface="Arial" panose="020B0604020202020204" pitchFamily="34" charset="0"/>
+              </a:rPr>
+              <a:t>usuarios ordenen su pedido por </a:t>
+            </a:r>
+            <a:r>
+              <a:rPr lang="es-CO" sz="2400" dirty="0" smtClean="0">
+                <a:latin typeface="Arial" panose="020B0604020202020204" pitchFamily="34" charset="0"/>
+                <a:cs typeface="Arial" panose="020B0604020202020204" pitchFamily="34" charset="0"/>
+              </a:rPr>
+              <a:t>medio </a:t>
+            </a:r>
+            <a:r>
+              <a:rPr lang="es-CO" sz="2400" dirty="0">
+                <a:latin typeface="Arial" panose="020B0604020202020204" pitchFamily="34" charset="0"/>
+                <a:cs typeface="Arial" panose="020B0604020202020204" pitchFamily="34" charset="0"/>
+              </a:rPr>
+              <a:t>de un </a:t>
+            </a:r>
+            <a:endParaRPr lang="es-CO" sz="2400" dirty="0" smtClean="0">
+              <a:latin typeface="Arial" panose="020B0604020202020204" pitchFamily="34" charset="0"/>
+              <a:cs typeface="Arial" panose="020B0604020202020204" pitchFamily="34" charset="0"/>
+            </a:endParaRPr>
+          </a:p>
+          <a:p>
+            <a:r>
+              <a:rPr lang="es-CO" sz="2400" dirty="0" smtClean="0">
+                <a:latin typeface="Arial" panose="020B0604020202020204" pitchFamily="34" charset="0"/>
+                <a:cs typeface="Arial" panose="020B0604020202020204" pitchFamily="34" charset="0"/>
+              </a:rPr>
+              <a:t>dispositivo electrónico (</a:t>
+            </a:r>
+            <a:r>
+              <a:rPr lang="es-CO" sz="2400" dirty="0">
+                <a:latin typeface="Arial" panose="020B0604020202020204" pitchFamily="34" charset="0"/>
+                <a:cs typeface="Arial" panose="020B0604020202020204" pitchFamily="34" charset="0"/>
+              </a:rPr>
+              <a:t>Celular, Tablet, Pc</a:t>
+            </a:r>
+            <a:r>
+              <a:rPr lang="es-CO" sz="2400" dirty="0" smtClean="0">
+                <a:latin typeface="Arial" panose="020B0604020202020204" pitchFamily="34" charset="0"/>
+                <a:cs typeface="Arial" panose="020B0604020202020204" pitchFamily="34" charset="0"/>
+              </a:rPr>
+              <a:t>),permitiéndole </a:t>
+            </a:r>
+          </a:p>
+          <a:p>
+            <a:r>
+              <a:rPr lang="es-CO" sz="2400" dirty="0" smtClean="0">
+                <a:latin typeface="Arial" panose="020B0604020202020204" pitchFamily="34" charset="0"/>
+                <a:cs typeface="Arial" panose="020B0604020202020204" pitchFamily="34" charset="0"/>
+              </a:rPr>
+              <a:t>así </a:t>
+            </a:r>
+            <a:r>
+              <a:rPr lang="es-CO" sz="2400" dirty="0">
+                <a:latin typeface="Arial" panose="020B0604020202020204" pitchFamily="34" charset="0"/>
+                <a:cs typeface="Arial" panose="020B0604020202020204" pitchFamily="34" charset="0"/>
+              </a:rPr>
+              <a:t>el </a:t>
+            </a:r>
+            <a:r>
+              <a:rPr lang="es-CO" sz="2400" dirty="0" smtClean="0">
+                <a:latin typeface="Arial" panose="020B0604020202020204" pitchFamily="34" charset="0"/>
+                <a:cs typeface="Arial" panose="020B0604020202020204" pitchFamily="34" charset="0"/>
+              </a:rPr>
+              <a:t>ahorro de </a:t>
+            </a:r>
+            <a:r>
+              <a:rPr lang="es-CO" sz="2400" dirty="0">
+                <a:latin typeface="Arial" panose="020B0604020202020204" pitchFamily="34" charset="0"/>
+                <a:cs typeface="Arial" panose="020B0604020202020204" pitchFamily="34" charset="0"/>
+              </a:rPr>
+              <a:t>tiempo y la fila que se genera para </a:t>
+            </a:r>
+            <a:endParaRPr lang="es-CO" sz="2400" dirty="0" smtClean="0">
+              <a:latin typeface="Arial" panose="020B0604020202020204" pitchFamily="34" charset="0"/>
+              <a:cs typeface="Arial" panose="020B0604020202020204" pitchFamily="34" charset="0"/>
+            </a:endParaRPr>
+          </a:p>
+          <a:p>
+            <a:r>
+              <a:rPr lang="es-CO" sz="2400" dirty="0" smtClean="0">
+                <a:latin typeface="Arial" panose="020B0604020202020204" pitchFamily="34" charset="0"/>
+                <a:cs typeface="Arial" panose="020B0604020202020204" pitchFamily="34" charset="0"/>
+              </a:rPr>
+              <a:t>realizar estos procesos. Por otra parte  </a:t>
+            </a:r>
+            <a:r>
+              <a:rPr lang="es-CO" sz="2400" dirty="0">
+                <a:latin typeface="Arial" panose="020B0604020202020204" pitchFamily="34" charset="0"/>
+                <a:cs typeface="Arial" panose="020B0604020202020204" pitchFamily="34" charset="0"/>
+              </a:rPr>
+              <a:t>se evidencia que </a:t>
+            </a:r>
+            <a:endParaRPr lang="es-CO" sz="2400" dirty="0" smtClean="0">
+              <a:latin typeface="Arial" panose="020B0604020202020204" pitchFamily="34" charset="0"/>
+              <a:cs typeface="Arial" panose="020B0604020202020204" pitchFamily="34" charset="0"/>
+            </a:endParaRPr>
+          </a:p>
+          <a:p>
+            <a:r>
+              <a:rPr lang="es-CO" sz="2400" dirty="0" smtClean="0">
+                <a:latin typeface="Arial" panose="020B0604020202020204" pitchFamily="34" charset="0"/>
+                <a:cs typeface="Arial" panose="020B0604020202020204" pitchFamily="34" charset="0"/>
+              </a:rPr>
+              <a:t>para </a:t>
+            </a:r>
+            <a:r>
+              <a:rPr lang="es-CO" sz="2400" dirty="0">
+                <a:latin typeface="Arial" panose="020B0604020202020204" pitchFamily="34" charset="0"/>
+                <a:cs typeface="Arial" panose="020B0604020202020204" pitchFamily="34" charset="0"/>
+              </a:rPr>
+              <a:t>el Cliente (Restaurante) facilita la </a:t>
+            </a:r>
+            <a:r>
+              <a:rPr lang="es-CO" sz="2400" dirty="0" smtClean="0">
+                <a:latin typeface="Arial" panose="020B0604020202020204" pitchFamily="34" charset="0"/>
+                <a:cs typeface="Arial" panose="020B0604020202020204" pitchFamily="34" charset="0"/>
+              </a:rPr>
+              <a:t>atención, </a:t>
+            </a:r>
+            <a:r>
+              <a:rPr lang="es-CO" sz="2400" dirty="0">
+                <a:latin typeface="Arial" panose="020B0604020202020204" pitchFamily="34" charset="0"/>
+                <a:cs typeface="Arial" panose="020B0604020202020204" pitchFamily="34" charset="0"/>
+              </a:rPr>
+              <a:t>los </a:t>
+            </a:r>
+            <a:endParaRPr lang="es-CO" sz="2400" dirty="0" smtClean="0">
+              <a:latin typeface="Arial" panose="020B0604020202020204" pitchFamily="34" charset="0"/>
+              <a:cs typeface="Arial" panose="020B0604020202020204" pitchFamily="34" charset="0"/>
+            </a:endParaRPr>
+          </a:p>
+          <a:p>
+            <a:r>
+              <a:rPr lang="es-CO" sz="2400" dirty="0" smtClean="0">
+                <a:latin typeface="Arial" panose="020B0604020202020204" pitchFamily="34" charset="0"/>
+                <a:cs typeface="Arial" panose="020B0604020202020204" pitchFamily="34" charset="0"/>
+              </a:rPr>
+              <a:t>tiempos </a:t>
+            </a:r>
+            <a:r>
+              <a:rPr lang="es-CO" sz="2400" dirty="0">
+                <a:latin typeface="Arial" panose="020B0604020202020204" pitchFamily="34" charset="0"/>
+                <a:cs typeface="Arial" panose="020B0604020202020204" pitchFamily="34" charset="0"/>
+              </a:rPr>
+              <a:t>de respuesta  y el </a:t>
+            </a:r>
+            <a:r>
+              <a:rPr lang="es-CO" sz="2400" dirty="0" smtClean="0">
+                <a:latin typeface="Arial" panose="020B0604020202020204" pitchFamily="34" charset="0"/>
+                <a:cs typeface="Arial" panose="020B0604020202020204" pitchFamily="34" charset="0"/>
+              </a:rPr>
+              <a:t>descongestionamiento </a:t>
+            </a:r>
+          </a:p>
+          <a:p>
+            <a:r>
+              <a:rPr lang="es-CO" sz="2400" dirty="0" smtClean="0">
+                <a:latin typeface="Arial" panose="020B0604020202020204" pitchFamily="34" charset="0"/>
+                <a:cs typeface="Arial" panose="020B0604020202020204" pitchFamily="34" charset="0"/>
+              </a:rPr>
+              <a:t>del </a:t>
+            </a:r>
+            <a:r>
+              <a:rPr lang="es-CO" sz="2400" dirty="0">
+                <a:latin typeface="Arial" panose="020B0604020202020204" pitchFamily="34" charset="0"/>
+                <a:cs typeface="Arial" panose="020B0604020202020204" pitchFamily="34" charset="0"/>
+              </a:rPr>
+              <a:t>establecimiento</a:t>
+            </a:r>
+            <a:r>
+              <a:rPr lang="es-CO" dirty="0">
+                <a:latin typeface="Arial" panose="020B0604020202020204" pitchFamily="34" charset="0"/>
+                <a:cs typeface="Arial" panose="020B0604020202020204" pitchFamily="34" charset="0"/>
+              </a:rPr>
+              <a:t>.</a:t>
             </a:r>
           </a:p>
         </p:txBody>
@@ -9720,14 +9114,10 @@
   </p:clrMapOvr>
   <mc:AlternateContent xmlns:mc="http://schemas.openxmlformats.org/markup-compatibility/2006" xmlns:p14="http://schemas.microsoft.com/office/powerpoint/2010/main">
     <mc:Choice Requires="p14">
-      <p:transition spd="slow" p14:dur="1600">
-        <p14:prism isInverted="1"/>
-      </p:transition>
+      <p:transition p14:dur="0"/>
     </mc:Choice>
     <mc:Fallback xmlns="">
-      <p:transition spd="slow">
-        <p:fade/>
-      </p:transition>
+      <p:transition/>
     </mc:Fallback>
   </mc:AlternateContent>
   <p:timing>
@@ -9832,7 +9222,21 @@
                 <a:latin typeface="Arial" panose="020B0604020202020204" pitchFamily="34" charset="0"/>
                 <a:cs typeface="Arial" panose="020B0604020202020204" pitchFamily="34" charset="0"/>
               </a:rPr>
-              <a:t>los tiempos de espera para el usuario al momento de cancelar su consumo en los diferentes establecimientos del sector gastronómico.</a:t>
+              <a:t>los tiempos de espera </a:t>
+            </a:r>
+            <a:r>
+              <a:rPr lang="es-CO" sz="3200" dirty="0" smtClean="0">
+                <a:latin typeface="Arial" panose="020B0604020202020204" pitchFamily="34" charset="0"/>
+                <a:cs typeface="Arial" panose="020B0604020202020204" pitchFamily="34" charset="0"/>
+              </a:rPr>
+              <a:t>del </a:t>
+            </a:r>
+            <a:r>
+              <a:rPr lang="es-CO" sz="3200" dirty="0">
+                <a:latin typeface="Arial" panose="020B0604020202020204" pitchFamily="34" charset="0"/>
+                <a:cs typeface="Arial" panose="020B0604020202020204" pitchFamily="34" charset="0"/>
+              </a:rPr>
+              <a:t>usuario al momento de cancelar su consumo en los diferentes establecimientos del sector gastronómico.</a:t>
             </a:r>
           </a:p>
           <a:p>
@@ -9855,14 +9259,10 @@
   </p:clrMapOvr>
   <mc:AlternateContent xmlns:mc="http://schemas.openxmlformats.org/markup-compatibility/2006" xmlns:p14="http://schemas.microsoft.com/office/powerpoint/2010/main">
     <mc:Choice Requires="p14">
-      <p:transition spd="slow" p14:dur="1200">
-        <p14:prism/>
-      </p:transition>
+      <p:transition p14:dur="0"/>
     </mc:Choice>
     <mc:Fallback xmlns="">
-      <p:transition spd="slow">
-        <p:fade/>
-      </p:transition>
+      <p:transition/>
     </mc:Fallback>
   </mc:AlternateContent>
   <p:timing>
@@ -9948,56 +9348,56 @@
           </a:bodyPr>
           <a:lstStyle/>
           <a:p>
-            <a:pPr marL="342900" indent="-342900">
+            <a:pPr marL="285750" lvl="0" indent="-285750">
               <a:buFont typeface="Arial" panose="020B0604020202020204" pitchFamily="34" charset="0"/>
               <a:buChar char="•"/>
             </a:pPr>
             <a:r>
-              <a:rPr lang="es-CO" sz="3200" dirty="0">
+              <a:rPr lang="es-CO" sz="2800" dirty="0">
                 <a:latin typeface="Arial" panose="020B0604020202020204" pitchFamily="34" charset="0"/>
                 <a:cs typeface="Arial" panose="020B0604020202020204" pitchFamily="34" charset="0"/>
               </a:rPr>
-              <a:t>Reducir la fila de usuarios que desean cancelar sus consumos en el establecimiento.</a:t>
-            </a:r>
-          </a:p>
-          <a:p>
-            <a:pPr marL="342900" indent="-342900" algn="l">
+              <a:t>Cancelar el valor de los consumos de los usuarios a través de un dispositivo electrónico (Celular, Tablet, Pc).</a:t>
+            </a:r>
+          </a:p>
+          <a:p>
+            <a:pPr marL="285750" lvl="0" indent="-285750">
               <a:buFont typeface="Arial" panose="020B0604020202020204" pitchFamily="34" charset="0"/>
               <a:buChar char="•"/>
             </a:pPr>
             <a:r>
-              <a:rPr lang="es-CO" sz="3200" dirty="0">
+              <a:rPr lang="es-CO" sz="2800" dirty="0">
                 <a:latin typeface="Arial" panose="020B0604020202020204" pitchFamily="34" charset="0"/>
                 <a:cs typeface="Arial" panose="020B0604020202020204" pitchFamily="34" charset="0"/>
               </a:rPr>
-              <a:t>Cancelar la cuenta desde un dispositivo móvil a través de pagos en línea (</a:t>
-            </a:r>
-            <a:r>
-              <a:rPr lang="es-CO" sz="3200" dirty="0" err="1">
+              <a:t>Verificar detalles de la factura y estado de la transacción del pedido por medio de notificación enviada </a:t>
+            </a:r>
+            <a:r>
+              <a:rPr lang="es-CO" sz="2800" dirty="0" smtClean="0">
                 <a:latin typeface="Arial" panose="020B0604020202020204" pitchFamily="34" charset="0"/>
                 <a:cs typeface="Arial" panose="020B0604020202020204" pitchFamily="34" charset="0"/>
               </a:rPr>
-              <a:t>PayU</a:t>
-            </a:r>
-            <a:r>
-              <a:rPr lang="es-CO" sz="3200" dirty="0">
+              <a:t>a </a:t>
+            </a:r>
+            <a:r>
+              <a:rPr lang="es-CO" sz="2800" dirty="0">
                 <a:latin typeface="Arial" panose="020B0604020202020204" pitchFamily="34" charset="0"/>
                 <a:cs typeface="Arial" panose="020B0604020202020204" pitchFamily="34" charset="0"/>
               </a:rPr>
-              <a:t>).</a:t>
-            </a:r>
-          </a:p>
-          <a:p>
-            <a:pPr marL="342900" indent="-342900" algn="l">
+              <a:t>través de la aplicación.</a:t>
+            </a:r>
+          </a:p>
+          <a:p>
+            <a:pPr marL="285750" lvl="0" indent="-285750">
               <a:buFont typeface="Arial" panose="020B0604020202020204" pitchFamily="34" charset="0"/>
               <a:buChar char="•"/>
             </a:pPr>
             <a:r>
-              <a:rPr lang="es-CO" sz="3200" dirty="0">
+              <a:rPr lang="es-CO" sz="2800" dirty="0">
                 <a:latin typeface="Arial" panose="020B0604020202020204" pitchFamily="34" charset="0"/>
                 <a:cs typeface="Arial" panose="020B0604020202020204" pitchFamily="34" charset="0"/>
               </a:rPr>
-              <a:t>Verificar el costo de las transacciones a través de mensajes de texto al  teléfono móvil del usuario.</a:t>
+              <a:t>Optimizar y reducir el congestionamiento de los procesos de pago en establecimiento gastronómicos.</a:t>
             </a:r>
           </a:p>
         </p:txBody>
@@ -10014,14 +9414,10 @@
   </p:clrMapOvr>
   <mc:AlternateContent xmlns:mc="http://schemas.openxmlformats.org/markup-compatibility/2006" xmlns:p14="http://schemas.microsoft.com/office/powerpoint/2010/main">
     <mc:Choice Requires="p14">
-      <p:transition spd="slow" p14:dur="1500">
-        <p14:window dir="vert"/>
-      </p:transition>
+      <p:transition p14:dur="0"/>
     </mc:Choice>
     <mc:Fallback xmlns="">
-      <p:transition spd="slow">
-        <p:fade/>
-      </p:transition>
+      <p:transition/>
     </mc:Fallback>
   </mc:AlternateContent>
   <p:timing>
@@ -10159,14 +9555,10 @@
   </p:clrMapOvr>
   <mc:AlternateContent xmlns:mc="http://schemas.openxmlformats.org/markup-compatibility/2006" xmlns:p14="http://schemas.microsoft.com/office/powerpoint/2010/main">
     <mc:Choice Requires="p14">
-      <p:transition spd="slow" p14:dur="1600">
-        <p14:gallery dir="l"/>
-      </p:transition>
+      <p:transition p14:dur="0"/>
     </mc:Choice>
     <mc:Fallback xmlns="">
-      <p:transition spd="slow">
-        <p:fade/>
-      </p:transition>
+      <p:transition/>
     </mc:Fallback>
   </mc:AlternateContent>
   <p:timing>
@@ -10238,8 +9630,8 @@
         </p:nvSpPr>
         <p:spPr>
           <a:xfrm>
-            <a:off x="842493" y="2716971"/>
-            <a:ext cx="7938248" cy="3046988"/>
+            <a:off x="613893" y="2004105"/>
+            <a:ext cx="8397760" cy="4401205"/>
           </a:xfrm>
           <a:prstGeom prst="rect">
             <a:avLst/>
@@ -10252,26 +9644,38 @@
           <a:lstStyle/>
           <a:p>
             <a:r>
-              <a:rPr lang="es-ES" sz="3200" dirty="0">
+              <a:rPr lang="es-CO" sz="2800" dirty="0">
                 <a:latin typeface="Arial" panose="020B0604020202020204" pitchFamily="34" charset="0"/>
                 <a:cs typeface="Arial" panose="020B0604020202020204" pitchFamily="34" charset="0"/>
               </a:rPr>
-              <a:t>Esta aplicación tiene como alcance ser implementada tanto en establecimientos gastronómicos (Restaurantes) como en diferentes sitios comerciales</a:t>
-            </a:r>
-            <a:r>
-              <a:rPr lang="es-ES" sz="3200" dirty="0" smtClean="0">
+              <a:t>El alcance del proyecto consiste en la realización de un análisis exhaustivo </a:t>
+            </a:r>
+            <a:r>
+              <a:rPr lang="es-CO" sz="2800" dirty="0" smtClean="0">
                 <a:latin typeface="Arial" panose="020B0604020202020204" pitchFamily="34" charset="0"/>
                 <a:cs typeface="Arial" panose="020B0604020202020204" pitchFamily="34" charset="0"/>
               </a:rPr>
-              <a:t>, </a:t>
-            </a:r>
-            <a:r>
-              <a:rPr lang="es-ES" sz="3200" dirty="0">
+              <a:t>acerca </a:t>
+            </a:r>
+            <a:r>
+              <a:rPr lang="es-CO" sz="2800" dirty="0">
                 <a:latin typeface="Arial" panose="020B0604020202020204" pitchFamily="34" charset="0"/>
                 <a:cs typeface="Arial" panose="020B0604020202020204" pitchFamily="34" charset="0"/>
               </a:rPr>
-              <a:t>haciendo mas fácil la forma de pagar diferentes  productos y servicios.</a:t>
-            </a:r>
+              <a:t>de la problemática y solución que se le pueda dar a la idea.  también se quiere lograr la creación de una herramienta innovadora y practica para los usuarios con cuestión al diseño, y como producto final </a:t>
+            </a:r>
+            <a:r>
+              <a:rPr lang="es-ES" sz="2800" dirty="0">
+                <a:latin typeface="Arial" panose="020B0604020202020204" pitchFamily="34" charset="0"/>
+                <a:cs typeface="Arial" panose="020B0604020202020204" pitchFamily="34" charset="0"/>
+              </a:rPr>
+              <a:t>implementarla tanto en establecimientos gastronómicos (Restaurantes) como en diferentes sitios comerciales, haciendo más fácil la forma de pagar diferentes productos y servicios</a:t>
+            </a:r>
+            <a:r>
+              <a:rPr lang="es-ES" dirty="0"/>
+              <a:t>. </a:t>
+            </a:r>
+            <a:endParaRPr lang="es-CO" dirty="0"/>
           </a:p>
         </p:txBody>
       </p:sp>
@@ -10287,14 +9691,10 @@
   </p:clrMapOvr>
   <mc:AlternateContent xmlns:mc="http://schemas.openxmlformats.org/markup-compatibility/2006" xmlns:p14="http://schemas.microsoft.com/office/powerpoint/2010/main">
     <mc:Choice Requires="p14">
-      <p:transition spd="slow" p14:dur="2500">
-        <p:checker/>
-      </p:transition>
+      <p:transition p14:dur="0"/>
     </mc:Choice>
     <mc:Fallback xmlns="">
-      <p:transition spd="slow">
-        <p:checker/>
-      </p:transition>
+      <p:transition/>
     </mc:Fallback>
   </mc:AlternateContent>
   <p:timing>
